--- a/업무분장 및 주차별 일정.pptx
+++ b/업무분장 및 주차별 일정.pptx
@@ -8,7 +8,10 @@
     <p:sldId id="256" r:id="rId2"/>
     <p:sldId id="257" r:id="rId3"/>
     <p:sldId id="258" r:id="rId4"/>
-    <p:sldId id="259" r:id="rId5"/>
+    <p:sldId id="261" r:id="rId5"/>
+    <p:sldId id="259" r:id="rId6"/>
+    <p:sldId id="262" r:id="rId7"/>
+    <p:sldId id="260" r:id="rId8"/>
   </p:sldIdLst>
   <p:sldSz cx="12192000" cy="6858000"/>
   <p:notesSz cx="6858000" cy="9144000"/>
@@ -262,7 +265,7 @@
           <a:p>
             <a:fld id="{324F385A-721D-4996-9921-6513D4AB6544}" type="datetimeFigureOut">
               <a:rPr lang="ko-KR" altLang="en-US" smtClean="0"/>
-              <a:t>2024-08-29</a:t>
+              <a:t>2024-09-03</a:t>
             </a:fld>
             <a:endParaRPr lang="ko-KR" altLang="en-US"/>
           </a:p>
@@ -460,7 +463,7 @@
           <a:p>
             <a:fld id="{324F385A-721D-4996-9921-6513D4AB6544}" type="datetimeFigureOut">
               <a:rPr lang="ko-KR" altLang="en-US" smtClean="0"/>
-              <a:t>2024-08-29</a:t>
+              <a:t>2024-09-03</a:t>
             </a:fld>
             <a:endParaRPr lang="ko-KR" altLang="en-US"/>
           </a:p>
@@ -668,7 +671,7 @@
           <a:p>
             <a:fld id="{324F385A-721D-4996-9921-6513D4AB6544}" type="datetimeFigureOut">
               <a:rPr lang="ko-KR" altLang="en-US" smtClean="0"/>
-              <a:t>2024-08-29</a:t>
+              <a:t>2024-09-03</a:t>
             </a:fld>
             <a:endParaRPr lang="ko-KR" altLang="en-US"/>
           </a:p>
@@ -866,7 +869,7 @@
           <a:p>
             <a:fld id="{324F385A-721D-4996-9921-6513D4AB6544}" type="datetimeFigureOut">
               <a:rPr lang="ko-KR" altLang="en-US" smtClean="0"/>
-              <a:t>2024-08-29</a:t>
+              <a:t>2024-09-03</a:t>
             </a:fld>
             <a:endParaRPr lang="ko-KR" altLang="en-US"/>
           </a:p>
@@ -1141,7 +1144,7 @@
           <a:p>
             <a:fld id="{324F385A-721D-4996-9921-6513D4AB6544}" type="datetimeFigureOut">
               <a:rPr lang="ko-KR" altLang="en-US" smtClean="0"/>
-              <a:t>2024-08-29</a:t>
+              <a:t>2024-09-03</a:t>
             </a:fld>
             <a:endParaRPr lang="ko-KR" altLang="en-US"/>
           </a:p>
@@ -1406,7 +1409,7 @@
           <a:p>
             <a:fld id="{324F385A-721D-4996-9921-6513D4AB6544}" type="datetimeFigureOut">
               <a:rPr lang="ko-KR" altLang="en-US" smtClean="0"/>
-              <a:t>2024-08-29</a:t>
+              <a:t>2024-09-03</a:t>
             </a:fld>
             <a:endParaRPr lang="ko-KR" altLang="en-US"/>
           </a:p>
@@ -1818,7 +1821,7 @@
           <a:p>
             <a:fld id="{324F385A-721D-4996-9921-6513D4AB6544}" type="datetimeFigureOut">
               <a:rPr lang="ko-KR" altLang="en-US" smtClean="0"/>
-              <a:t>2024-08-29</a:t>
+              <a:t>2024-09-03</a:t>
             </a:fld>
             <a:endParaRPr lang="ko-KR" altLang="en-US"/>
           </a:p>
@@ -1959,7 +1962,7 @@
           <a:p>
             <a:fld id="{324F385A-721D-4996-9921-6513D4AB6544}" type="datetimeFigureOut">
               <a:rPr lang="ko-KR" altLang="en-US" smtClean="0"/>
-              <a:t>2024-08-29</a:t>
+              <a:t>2024-09-03</a:t>
             </a:fld>
             <a:endParaRPr lang="ko-KR" altLang="en-US"/>
           </a:p>
@@ -2072,7 +2075,7 @@
           <a:p>
             <a:fld id="{324F385A-721D-4996-9921-6513D4AB6544}" type="datetimeFigureOut">
               <a:rPr lang="ko-KR" altLang="en-US" smtClean="0"/>
-              <a:t>2024-08-29</a:t>
+              <a:t>2024-09-03</a:t>
             </a:fld>
             <a:endParaRPr lang="ko-KR" altLang="en-US"/>
           </a:p>
@@ -2383,7 +2386,7 @@
           <a:p>
             <a:fld id="{324F385A-721D-4996-9921-6513D4AB6544}" type="datetimeFigureOut">
               <a:rPr lang="ko-KR" altLang="en-US" smtClean="0"/>
-              <a:t>2024-08-29</a:t>
+              <a:t>2024-09-03</a:t>
             </a:fld>
             <a:endParaRPr lang="ko-KR" altLang="en-US"/>
           </a:p>
@@ -2671,7 +2674,7 @@
           <a:p>
             <a:fld id="{324F385A-721D-4996-9921-6513D4AB6544}" type="datetimeFigureOut">
               <a:rPr lang="ko-KR" altLang="en-US" smtClean="0"/>
-              <a:t>2024-08-29</a:t>
+              <a:t>2024-09-03</a:t>
             </a:fld>
             <a:endParaRPr lang="ko-KR" altLang="en-US"/>
           </a:p>
@@ -2912,7 +2915,7 @@
           <a:p>
             <a:fld id="{324F385A-721D-4996-9921-6513D4AB6544}" type="datetimeFigureOut">
               <a:rPr lang="ko-KR" altLang="en-US" smtClean="0"/>
-              <a:t>2024-08-29</a:t>
+              <a:t>2024-09-03</a:t>
             </a:fld>
             <a:endParaRPr lang="ko-KR" altLang="en-US"/>
           </a:p>
@@ -3603,7 +3606,7 @@
         </p:spPr>
         <p:txBody>
           <a:bodyPr>
-            <a:normAutofit fontScale="92500"/>
+            <a:normAutofit/>
           </a:bodyPr>
           <a:lstStyle/>
           <a:p>
@@ -3651,20 +3654,12 @@
           <a:p>
             <a:pPr lvl="1"/>
             <a:r>
-              <a:rPr lang="ko-KR" altLang="en-US" dirty="0"/>
-              <a:t>학생</a:t>
-            </a:r>
-            <a:r>
-              <a:rPr lang="en-US" altLang="ko-KR" dirty="0"/>
-              <a:t>-</a:t>
-            </a:r>
-            <a:r>
               <a:rPr lang="ko-KR" altLang="en-US" dirty="0" err="1"/>
-              <a:t>봉담읍주민자치회</a:t>
-            </a:r>
-            <a:r>
-              <a:rPr lang="ko-KR" altLang="en-US" dirty="0"/>
-              <a:t> 간 협력</a:t>
+              <a:t>봉담읍주민자치회와의</a:t>
+            </a:r>
+            <a:r>
+              <a:rPr lang="ko-KR" altLang="en-US" dirty="0"/>
+              <a:t> 협력</a:t>
             </a:r>
           </a:p>
         </p:txBody>
@@ -4385,7 +4380,12 @@
             <p:ph type="title"/>
           </p:nvPr>
         </p:nvSpPr>
-        <p:spPr/>
+        <p:spPr>
+          <a:xfrm>
+            <a:off x="838200" y="227473"/>
+            <a:ext cx="10515600" cy="824579"/>
+          </a:xfrm>
+        </p:spPr>
         <p:txBody>
           <a:bodyPr/>
           <a:lstStyle/>
@@ -4413,9 +4413,16 @@
             <p:ph idx="1"/>
           </p:nvPr>
         </p:nvSpPr>
-        <p:spPr/>
-        <p:txBody>
-          <a:bodyPr/>
+        <p:spPr>
+          <a:xfrm>
+            <a:off x="838200" y="1052051"/>
+            <a:ext cx="10515600" cy="5466735"/>
+          </a:xfrm>
+        </p:spPr>
+        <p:txBody>
+          <a:bodyPr>
+            <a:normAutofit/>
+          </a:bodyPr>
           <a:lstStyle/>
           <a:p>
             <a:r>
@@ -4461,6 +4468,26 @@
               <a:rPr lang="en-US" altLang="ko-KR" dirty="0"/>
               <a:t>: </a:t>
             </a:r>
+            <a:r>
+              <a:rPr lang="ko-KR" altLang="en-US" dirty="0" err="1"/>
+              <a:t>스프링부트</a:t>
+            </a:r>
+            <a:r>
+              <a:rPr lang="ko-KR" altLang="en-US" dirty="0"/>
+              <a:t> 사용방법 학습</a:t>
+            </a:r>
+            <a:r>
+              <a:rPr lang="en-US" altLang="ko-KR" dirty="0"/>
+              <a:t>(</a:t>
+            </a:r>
+            <a:r>
+              <a:rPr lang="ko-KR" altLang="en-US" dirty="0" err="1"/>
+              <a:t>백엔드</a:t>
+            </a:r>
+            <a:r>
+              <a:rPr lang="en-US" altLang="ko-KR" dirty="0"/>
+              <a:t>)</a:t>
+            </a:r>
           </a:p>
           <a:p>
             <a:r>
@@ -4491,6 +4518,29 @@
               <a:rPr lang="en-US" altLang="ko-KR" dirty="0"/>
               <a:t>: </a:t>
             </a:r>
+            <a:r>
+              <a:rPr lang="ko-KR" altLang="en-US" dirty="0" err="1"/>
+              <a:t>스프링부트</a:t>
+            </a:r>
+            <a:r>
+              <a:rPr lang="ko-KR" altLang="en-US" dirty="0"/>
+              <a:t> 사용방법 학습</a:t>
+            </a:r>
+            <a:r>
+              <a:rPr lang="en-US" altLang="ko-KR" dirty="0"/>
+              <a:t>(</a:t>
+            </a:r>
+            <a:r>
+              <a:rPr lang="ko-KR" altLang="en-US" dirty="0" err="1"/>
+              <a:t>백엔드</a:t>
+            </a:r>
+            <a:r>
+              <a:rPr lang="en-US" altLang="ko-KR" dirty="0"/>
+              <a:t>)</a:t>
+            </a:r>
+          </a:p>
+          <a:p>
+            <a:endParaRPr lang="en-US" altLang="ko-KR" dirty="0"/>
           </a:p>
           <a:p>
             <a:r>
@@ -4521,6 +4571,89 @@
               <a:rPr lang="en-US" altLang="ko-KR" dirty="0"/>
               <a:t>: </a:t>
             </a:r>
+            <a:r>
+              <a:rPr lang="ko-KR" altLang="en-US" dirty="0"/>
+              <a:t>데이터베이스 개발</a:t>
+            </a:r>
+            <a:r>
+              <a:rPr lang="en-US" altLang="ko-KR" dirty="0"/>
+              <a:t>,</a:t>
+            </a:r>
+          </a:p>
+          <a:p>
+            <a:r>
+              <a:rPr lang="ko-KR" altLang="en-US" dirty="0" err="1"/>
+              <a:t>메인페이지</a:t>
+            </a:r>
+            <a:r>
+              <a:rPr lang="ko-KR" altLang="en-US" dirty="0"/>
+              <a:t> </a:t>
+            </a:r>
+            <a:r>
+              <a:rPr lang="ko-KR" altLang="en-US" dirty="0" err="1"/>
+              <a:t>백엔드개발</a:t>
+            </a:r>
+            <a:r>
+              <a:rPr lang="en-US" altLang="ko-KR" dirty="0"/>
+              <a:t> (DB</a:t>
+            </a:r>
+            <a:r>
+              <a:rPr lang="ko-KR" altLang="en-US" dirty="0"/>
+              <a:t>에서 장소데이터를 불러와 </a:t>
+            </a:r>
+            <a:r>
+              <a:rPr lang="ko-KR" altLang="en-US" dirty="0" err="1"/>
+              <a:t>메인페이지에</a:t>
+            </a:r>
+            <a:r>
+              <a:rPr lang="ko-KR" altLang="en-US" dirty="0"/>
+              <a:t> 표시하고</a:t>
+            </a:r>
+            <a:r>
+              <a:rPr lang="en-US" altLang="ko-KR" dirty="0"/>
+              <a:t>, </a:t>
+            </a:r>
+            <a:r>
+              <a:rPr lang="ko-KR" altLang="en-US" dirty="0"/>
+              <a:t>세부정보를 표 형태로 출력</a:t>
+            </a:r>
+            <a:r>
+              <a:rPr lang="en-US" altLang="ko-KR" dirty="0"/>
+              <a:t>)(</a:t>
+            </a:r>
+            <a:r>
+              <a:rPr lang="ko-KR" altLang="en-US" dirty="0" err="1"/>
+              <a:t>백엔드</a:t>
+            </a:r>
+            <a:r>
+              <a:rPr lang="en-US" altLang="ko-KR" dirty="0"/>
+              <a:t>),</a:t>
+            </a:r>
+          </a:p>
+          <a:p>
+            <a:r>
+              <a:rPr lang="ko-KR" altLang="en-US" dirty="0" err="1"/>
+              <a:t>메인페이지</a:t>
+            </a:r>
+            <a:r>
+              <a:rPr lang="ko-KR" altLang="en-US" dirty="0"/>
+              <a:t> 디자인 개선</a:t>
+            </a:r>
+            <a:r>
+              <a:rPr lang="en-US" altLang="ko-KR" dirty="0"/>
+              <a:t>(</a:t>
+            </a:r>
+            <a:r>
+              <a:rPr lang="ko-KR" altLang="en-US" dirty="0" err="1"/>
+              <a:t>프론트엔드</a:t>
+            </a:r>
+            <a:r>
+              <a:rPr lang="en-US" altLang="ko-KR" dirty="0"/>
+              <a:t>)</a:t>
+            </a:r>
+          </a:p>
+          <a:p>
+            <a:endParaRPr lang="en-US" altLang="ko-KR" dirty="0"/>
           </a:p>
           <a:p>
             <a:r>
@@ -4551,97 +4684,40 @@
               <a:rPr lang="en-US" altLang="ko-KR" dirty="0"/>
               <a:t>: </a:t>
             </a:r>
-          </a:p>
-          <a:p>
-            <a:r>
-              <a:rPr lang="en-US" altLang="ko-KR" dirty="0"/>
-              <a:t>5</a:t>
-            </a:r>
-            <a:r>
-              <a:rPr lang="ko-KR" altLang="en-US" dirty="0"/>
-              <a:t>주차 </a:t>
-            </a:r>
-            <a:r>
-              <a:rPr lang="en-US" altLang="ko-KR" dirty="0"/>
-              <a:t>09/25 (</a:t>
-            </a:r>
-            <a:r>
-              <a:rPr lang="ko-KR" altLang="en-US" dirty="0"/>
-              <a:t>수</a:t>
-            </a:r>
-            <a:r>
-              <a:rPr lang="en-US" altLang="ko-KR" dirty="0"/>
-              <a:t>) </a:t>
-            </a:r>
-            <a:r>
-              <a:rPr lang="ko-KR" altLang="en-US" dirty="0"/>
-              <a:t>이후</a:t>
-            </a:r>
-            <a:r>
-              <a:rPr lang="en-US" altLang="ko-KR" dirty="0"/>
-              <a:t>: </a:t>
-            </a:r>
-          </a:p>
-          <a:p>
-            <a:r>
-              <a:rPr lang="en-US" altLang="ko-KR" dirty="0"/>
-              <a:t>6</a:t>
-            </a:r>
-            <a:r>
-              <a:rPr lang="ko-KR" altLang="en-US" dirty="0"/>
-              <a:t>주차 </a:t>
-            </a:r>
-            <a:r>
-              <a:rPr lang="en-US" altLang="ko-KR" dirty="0"/>
-              <a:t>10/02 (</a:t>
-            </a:r>
-            <a:r>
-              <a:rPr lang="ko-KR" altLang="en-US" dirty="0"/>
-              <a:t>수</a:t>
+            <a:r>
+              <a:rPr lang="ko-KR" altLang="en-US" dirty="0"/>
+              <a:t>시설물 추가요청 기능개발</a:t>
+            </a:r>
+            <a:r>
+              <a:rPr lang="en-US" altLang="ko-KR" dirty="0"/>
+              <a:t>(</a:t>
+            </a:r>
+            <a:r>
+              <a:rPr lang="ko-KR" altLang="en-US" dirty="0" err="1"/>
+              <a:t>백엔드</a:t>
             </a:r>
             <a:r>
               <a:rPr lang="en-US" altLang="ko-KR" dirty="0"/>
               <a:t>)</a:t>
             </a:r>
-            <a:r>
-              <a:rPr lang="ko-KR" altLang="en-US" dirty="0"/>
-              <a:t> 이후</a:t>
-            </a:r>
-            <a:r>
-              <a:rPr lang="en-US" altLang="ko-KR" dirty="0"/>
-              <a:t>: </a:t>
-            </a:r>
-          </a:p>
-          <a:p>
-            <a:r>
-              <a:rPr lang="en-US" altLang="ko-KR" dirty="0"/>
-              <a:t>7</a:t>
-            </a:r>
-            <a:r>
-              <a:rPr lang="ko-KR" altLang="en-US" dirty="0"/>
-              <a:t>주차 </a:t>
-            </a:r>
-            <a:r>
-              <a:rPr lang="en-US" altLang="ko-KR" dirty="0"/>
-              <a:t>10/09 (</a:t>
-            </a:r>
-            <a:r>
-              <a:rPr lang="ko-KR" altLang="en-US" dirty="0"/>
-              <a:t>수</a:t>
+          </a:p>
+          <a:p>
+            <a:r>
+              <a:rPr lang="ko-KR" altLang="en-US" dirty="0"/>
+              <a:t>해당 페이지 디자인 개선</a:t>
+            </a:r>
+            <a:r>
+              <a:rPr lang="en-US" altLang="ko-KR" dirty="0"/>
+              <a:t>(</a:t>
+            </a:r>
+            <a:r>
+              <a:rPr lang="ko-KR" altLang="en-US" dirty="0" err="1"/>
+              <a:t>프론트엔드</a:t>
             </a:r>
             <a:r>
               <a:rPr lang="en-US" altLang="ko-KR" dirty="0"/>
               <a:t>)</a:t>
             </a:r>
-            <a:r>
-              <a:rPr lang="ko-KR" altLang="en-US" dirty="0"/>
-              <a:t> 이후</a:t>
-            </a:r>
-            <a:r>
-              <a:rPr lang="en-US" altLang="ko-KR" dirty="0"/>
-              <a:t>: </a:t>
-            </a:r>
-            <a:endParaRPr lang="ko-KR" altLang="en-US" dirty="0"/>
           </a:p>
         </p:txBody>
       </p:sp>
@@ -4680,7 +4756,7 @@
           <p:cNvPr id="2" name="제목 1">
             <a:extLst>
               <a:ext uri="{FF2B5EF4-FFF2-40B4-BE49-F238E27FC236}">
-                <a16:creationId xmlns:a16="http://schemas.microsoft.com/office/drawing/2014/main" id="{40AD6429-96AB-D00B-F9CD-BC9FE37CE9F6}"/>
+                <a16:creationId xmlns:a16="http://schemas.microsoft.com/office/drawing/2014/main" id="{5FE5F240-42C0-DCE7-A4F3-790CA8D975B4}"/>
               </a:ext>
             </a:extLst>
           </p:cNvPr>
@@ -4689,40 +4765,45 @@
           </p:cNvSpPr>
           <p:nvPr>
             <p:ph type="title"/>
-          </p:nvPr>
-        </p:nvSpPr>
-        <p:spPr/>
-        <p:txBody>
-          <a:bodyPr/>
-          <a:lstStyle/>
-          <a:p>
-            <a:r>
-              <a:rPr lang="ko-KR" altLang="en-US" dirty="0"/>
-              <a:t>주별 개발 일정</a:t>
-            </a:r>
-          </a:p>
-        </p:txBody>
-      </p:sp>
-      <p:sp>
-        <p:nvSpPr>
-          <p:cNvPr id="3" name="내용 개체 틀 2">
-            <a:extLst>
-              <a:ext uri="{FF2B5EF4-FFF2-40B4-BE49-F238E27FC236}">
-                <a16:creationId xmlns:a16="http://schemas.microsoft.com/office/drawing/2014/main" id="{5C004757-46ED-2922-C100-47A9C9C82208}"/>
-              </a:ext>
-            </a:extLst>
-          </p:cNvPr>
-          <p:cNvSpPr>
-            <a:spLocks noGrp="1"/>
-          </p:cNvSpPr>
-          <p:nvPr>
-            <p:ph idx="1"/>
           </p:nvPr>
         </p:nvSpPr>
         <p:spPr>
           <a:xfrm>
-            <a:off x="838200" y="1825625"/>
-            <a:ext cx="10515600" cy="4919304"/>
+            <a:off x="838200" y="365125"/>
+            <a:ext cx="10515600" cy="696759"/>
+          </a:xfrm>
+        </p:spPr>
+        <p:txBody>
+          <a:bodyPr/>
+          <a:lstStyle/>
+          <a:p>
+            <a:r>
+              <a:rPr lang="ko-KR" altLang="en-US" dirty="0"/>
+              <a:t>주별 개발 일정</a:t>
+            </a:r>
+          </a:p>
+        </p:txBody>
+      </p:sp>
+      <p:sp>
+        <p:nvSpPr>
+          <p:cNvPr id="3" name="내용 개체 틀 2">
+            <a:extLst>
+              <a:ext uri="{FF2B5EF4-FFF2-40B4-BE49-F238E27FC236}">
+                <a16:creationId xmlns:a16="http://schemas.microsoft.com/office/drawing/2014/main" id="{312C478B-FF3F-031C-AD93-096CE6B009B3}"/>
+              </a:ext>
+            </a:extLst>
+          </p:cNvPr>
+          <p:cNvSpPr>
+            <a:spLocks noGrp="1"/>
+          </p:cNvSpPr>
+          <p:nvPr>
+            <p:ph idx="1"/>
+          </p:nvPr>
+        </p:nvSpPr>
+        <p:spPr>
+          <a:xfrm>
+            <a:off x="471948" y="1652635"/>
+            <a:ext cx="6408174" cy="4512191"/>
           </a:xfrm>
         </p:spPr>
         <p:txBody>
@@ -4733,6 +4814,455 @@
           <a:p>
             <a:r>
               <a:rPr lang="en-US" altLang="ko-KR" dirty="0"/>
+              <a:t>5</a:t>
+            </a:r>
+            <a:r>
+              <a:rPr lang="ko-KR" altLang="en-US" dirty="0"/>
+              <a:t>주차 </a:t>
+            </a:r>
+            <a:r>
+              <a:rPr lang="en-US" altLang="ko-KR" dirty="0"/>
+              <a:t>09/25 (</a:t>
+            </a:r>
+            <a:r>
+              <a:rPr lang="ko-KR" altLang="en-US" dirty="0"/>
+              <a:t>수</a:t>
+            </a:r>
+            <a:r>
+              <a:rPr lang="en-US" altLang="ko-KR" dirty="0"/>
+              <a:t>) </a:t>
+            </a:r>
+            <a:r>
+              <a:rPr lang="ko-KR" altLang="en-US" dirty="0"/>
+              <a:t>이후</a:t>
+            </a:r>
+            <a:r>
+              <a:rPr lang="en-US" altLang="ko-KR" dirty="0"/>
+              <a:t>: </a:t>
+            </a:r>
+            <a:r>
+              <a:rPr lang="ko-KR" altLang="en-US" dirty="0"/>
+              <a:t>시설물 정보수정요청 기능개발</a:t>
+            </a:r>
+            <a:r>
+              <a:rPr lang="en-US" altLang="ko-KR" dirty="0"/>
+              <a:t>(</a:t>
+            </a:r>
+            <a:r>
+              <a:rPr lang="ko-KR" altLang="en-US" dirty="0" err="1"/>
+              <a:t>백엔드</a:t>
+            </a:r>
+            <a:r>
+              <a:rPr lang="en-US" altLang="ko-KR" dirty="0"/>
+              <a:t>)</a:t>
+            </a:r>
+          </a:p>
+          <a:p>
+            <a:r>
+              <a:rPr lang="ko-KR" altLang="en-US" dirty="0"/>
+              <a:t>해당 페이지 디자인 개선</a:t>
+            </a:r>
+            <a:r>
+              <a:rPr lang="en-US" altLang="ko-KR" dirty="0"/>
+              <a:t>(</a:t>
+            </a:r>
+            <a:r>
+              <a:rPr lang="ko-KR" altLang="en-US" dirty="0" err="1"/>
+              <a:t>프론트엔드</a:t>
+            </a:r>
+            <a:r>
+              <a:rPr lang="en-US" altLang="ko-KR" dirty="0"/>
+              <a:t>)</a:t>
+            </a:r>
+          </a:p>
+          <a:p>
+            <a:endParaRPr lang="en-US" altLang="ko-KR" dirty="0"/>
+          </a:p>
+          <a:p>
+            <a:endParaRPr lang="en-US" altLang="ko-KR" dirty="0"/>
+          </a:p>
+          <a:p>
+            <a:r>
+              <a:rPr lang="en-US" altLang="ko-KR" dirty="0"/>
+              <a:t>6</a:t>
+            </a:r>
+            <a:r>
+              <a:rPr lang="ko-KR" altLang="en-US" dirty="0"/>
+              <a:t>주차 </a:t>
+            </a:r>
+            <a:r>
+              <a:rPr lang="en-US" altLang="ko-KR" dirty="0"/>
+              <a:t>10/02 (</a:t>
+            </a:r>
+            <a:r>
+              <a:rPr lang="ko-KR" altLang="en-US" dirty="0"/>
+              <a:t>수</a:t>
+            </a:r>
+            <a:r>
+              <a:rPr lang="en-US" altLang="ko-KR" dirty="0"/>
+              <a:t>)</a:t>
+            </a:r>
+            <a:r>
+              <a:rPr lang="ko-KR" altLang="en-US" dirty="0"/>
+              <a:t> 이후</a:t>
+            </a:r>
+            <a:r>
+              <a:rPr lang="en-US" altLang="ko-KR" dirty="0"/>
+              <a:t>: (</a:t>
+            </a:r>
+            <a:r>
+              <a:rPr lang="ko-KR" altLang="en-US" dirty="0"/>
+              <a:t>추가기능</a:t>
+            </a:r>
+            <a:r>
+              <a:rPr lang="en-US" altLang="ko-KR" dirty="0"/>
+              <a:t>) </a:t>
+            </a:r>
+            <a:r>
+              <a:rPr lang="ko-KR" altLang="en-US" dirty="0"/>
+              <a:t>새로운 시설물 설치요청 기능개발</a:t>
+            </a:r>
+            <a:r>
+              <a:rPr lang="en-US" altLang="ko-KR" dirty="0"/>
+              <a:t>(</a:t>
+            </a:r>
+            <a:r>
+              <a:rPr lang="ko-KR" altLang="en-US" dirty="0" err="1"/>
+              <a:t>백엔드</a:t>
+            </a:r>
+            <a:r>
+              <a:rPr lang="en-US" altLang="ko-KR" dirty="0"/>
+              <a:t>)</a:t>
+            </a:r>
+          </a:p>
+          <a:p>
+            <a:r>
+              <a:rPr lang="ko-KR" altLang="en-US" dirty="0"/>
+              <a:t>해당 페이지 디자인 개선</a:t>
+            </a:r>
+            <a:r>
+              <a:rPr lang="en-US" altLang="ko-KR" dirty="0"/>
+              <a:t>(</a:t>
+            </a:r>
+            <a:r>
+              <a:rPr lang="ko-KR" altLang="en-US" dirty="0" err="1"/>
+              <a:t>프론트엔드</a:t>
+            </a:r>
+            <a:r>
+              <a:rPr lang="en-US" altLang="ko-KR" dirty="0"/>
+              <a:t>)</a:t>
+            </a:r>
+            <a:endParaRPr lang="en-US" altLang="ko-KR" sz="1100" dirty="0"/>
+          </a:p>
+        </p:txBody>
+      </p:sp>
+      <p:pic>
+        <p:nvPicPr>
+          <p:cNvPr id="5" name="그림 4" descr="텍스트, 친필, 영수증이(가) 표시된 사진&#10;&#10;자동 생성된 설명">
+            <a:extLst>
+              <a:ext uri="{FF2B5EF4-FFF2-40B4-BE49-F238E27FC236}">
+                <a16:creationId xmlns:a16="http://schemas.microsoft.com/office/drawing/2014/main" id="{04108444-FA86-291E-9A98-14BB28DD6A23}"/>
+              </a:ext>
+            </a:extLst>
+          </p:cNvPr>
+          <p:cNvPicPr>
+            <a:picLocks noChangeAspect="1"/>
+          </p:cNvPicPr>
+          <p:nvPr/>
+        </p:nvPicPr>
+        <p:blipFill>
+          <a:blip r:embed="rId2">
+            <a:extLst>
+              <a:ext uri="{28A0092B-C50C-407E-A947-70E740481C1C}">
+                <a14:useLocalDpi xmlns:a14="http://schemas.microsoft.com/office/drawing/2010/main" val="0"/>
+              </a:ext>
+            </a:extLst>
+          </a:blip>
+          <a:srcRect l="43484" t="3326" r="3417"/>
+          <a:stretch/>
+        </p:blipFill>
+        <p:spPr>
+          <a:xfrm>
+            <a:off x="7167716" y="0"/>
+            <a:ext cx="5024284" cy="6861584"/>
+          </a:xfrm>
+          <a:prstGeom prst="rect">
+            <a:avLst/>
+          </a:prstGeom>
+        </p:spPr>
+      </p:pic>
+      <p:sp>
+        <p:nvSpPr>
+          <p:cNvPr id="7" name="직사각형 6">
+            <a:extLst>
+              <a:ext uri="{FF2B5EF4-FFF2-40B4-BE49-F238E27FC236}">
+                <a16:creationId xmlns:a16="http://schemas.microsoft.com/office/drawing/2014/main" id="{A4EBAF94-E1A9-EFBE-A4BA-8C771B8A4F29}"/>
+              </a:ext>
+            </a:extLst>
+          </p:cNvPr>
+          <p:cNvSpPr/>
+          <p:nvPr/>
+        </p:nvSpPr>
+        <p:spPr>
+          <a:xfrm>
+            <a:off x="8868697" y="5353664"/>
+            <a:ext cx="2851355" cy="476865"/>
+          </a:xfrm>
+          <a:prstGeom prst="rect">
+            <a:avLst/>
+          </a:prstGeom>
+          <a:noFill/>
+          <a:ln w="38100">
+            <a:solidFill>
+              <a:srgbClr val="FF0000"/>
+            </a:solidFill>
+          </a:ln>
+        </p:spPr>
+        <p:style>
+          <a:lnRef idx="2">
+            <a:schemeClr val="accent1">
+              <a:shade val="15000"/>
+            </a:schemeClr>
+          </a:lnRef>
+          <a:fillRef idx="1">
+            <a:schemeClr val="accent1"/>
+          </a:fillRef>
+          <a:effectRef idx="0">
+            <a:schemeClr val="accent1"/>
+          </a:effectRef>
+          <a:fontRef idx="minor">
+            <a:schemeClr val="lt1"/>
+          </a:fontRef>
+        </p:style>
+        <p:txBody>
+          <a:bodyPr rtlCol="0" anchor="ctr"/>
+          <a:lstStyle/>
+          <a:p>
+            <a:pPr algn="ctr"/>
+            <a:endParaRPr lang="ko-KR" altLang="en-US"/>
+          </a:p>
+        </p:txBody>
+      </p:sp>
+      <p:sp>
+        <p:nvSpPr>
+          <p:cNvPr id="8" name="TextBox 7">
+            <a:extLst>
+              <a:ext uri="{FF2B5EF4-FFF2-40B4-BE49-F238E27FC236}">
+                <a16:creationId xmlns:a16="http://schemas.microsoft.com/office/drawing/2014/main" id="{C16F6466-9A1F-D246-F0CA-B4A0B74226B0}"/>
+              </a:ext>
+            </a:extLst>
+          </p:cNvPr>
+          <p:cNvSpPr txBox="1"/>
+          <p:nvPr/>
+        </p:nvSpPr>
+        <p:spPr>
+          <a:xfrm>
+            <a:off x="7225225" y="6462756"/>
+            <a:ext cx="4897495" cy="369332"/>
+          </a:xfrm>
+          <a:prstGeom prst="rect">
+            <a:avLst/>
+          </a:prstGeom>
+          <a:noFill/>
+        </p:spPr>
+        <p:txBody>
+          <a:bodyPr wrap="none" rtlCol="0">
+            <a:spAutoFit/>
+          </a:bodyPr>
+          <a:lstStyle/>
+          <a:p>
+            <a:r>
+              <a:rPr lang="ko-KR" altLang="en-US" dirty="0">
+                <a:solidFill>
+                  <a:srgbClr val="FF0000"/>
+                </a:solidFill>
+              </a:rPr>
+              <a:t>봉담읍 주민자치회 </a:t>
+            </a:r>
+            <a:r>
+              <a:rPr lang="ko-KR" altLang="en-US">
+                <a:solidFill>
+                  <a:srgbClr val="FF0000"/>
+                </a:solidFill>
+              </a:rPr>
+              <a:t>자치계획수립 워크숍 자료</a:t>
+            </a:r>
+            <a:endParaRPr lang="ko-KR" altLang="en-US" dirty="0">
+              <a:solidFill>
+                <a:srgbClr val="FF0000"/>
+              </a:solidFill>
+            </a:endParaRPr>
+          </a:p>
+        </p:txBody>
+      </p:sp>
+    </p:spTree>
+    <p:extLst>
+      <p:ext uri="{BB962C8B-B14F-4D97-AF65-F5344CB8AC3E}">
+        <p14:creationId xmlns:p14="http://schemas.microsoft.com/office/powerpoint/2010/main" val="2163062822"/>
+      </p:ext>
+    </p:extLst>
+  </p:cSld>
+  <p:clrMapOvr>
+    <a:masterClrMapping/>
+  </p:clrMapOvr>
+</p:sld>
+</file>
+
+<file path=ppt/slides/slide5.xml><?xml version="1.0" encoding="utf-8"?>
+<p:sld xmlns:a="http://schemas.openxmlformats.org/drawingml/2006/main" xmlns:r="http://schemas.openxmlformats.org/officeDocument/2006/relationships" xmlns:p="http://schemas.openxmlformats.org/presentationml/2006/main">
+  <p:cSld>
+    <p:spTree>
+      <p:nvGrpSpPr>
+        <p:cNvPr id="1" name=""/>
+        <p:cNvGrpSpPr/>
+        <p:nvPr/>
+      </p:nvGrpSpPr>
+      <p:grpSpPr>
+        <a:xfrm>
+          <a:off x="0" y="0"/>
+          <a:ext cx="0" cy="0"/>
+          <a:chOff x="0" y="0"/>
+          <a:chExt cx="0" cy="0"/>
+        </a:xfrm>
+      </p:grpSpPr>
+      <p:sp>
+        <p:nvSpPr>
+          <p:cNvPr id="2" name="제목 1">
+            <a:extLst>
+              <a:ext uri="{FF2B5EF4-FFF2-40B4-BE49-F238E27FC236}">
+                <a16:creationId xmlns:a16="http://schemas.microsoft.com/office/drawing/2014/main" id="{40AD6429-96AB-D00B-F9CD-BC9FE37CE9F6}"/>
+              </a:ext>
+            </a:extLst>
+          </p:cNvPr>
+          <p:cNvSpPr>
+            <a:spLocks noGrp="1"/>
+          </p:cNvSpPr>
+          <p:nvPr>
+            <p:ph type="title"/>
+          </p:nvPr>
+        </p:nvSpPr>
+        <p:spPr>
+          <a:xfrm>
+            <a:off x="838200" y="138982"/>
+            <a:ext cx="10515600" cy="854075"/>
+          </a:xfrm>
+        </p:spPr>
+        <p:txBody>
+          <a:bodyPr/>
+          <a:lstStyle/>
+          <a:p>
+            <a:r>
+              <a:rPr lang="ko-KR" altLang="en-US" dirty="0"/>
+              <a:t>주별 개발 일정</a:t>
+            </a:r>
+          </a:p>
+        </p:txBody>
+      </p:sp>
+      <p:sp>
+        <p:nvSpPr>
+          <p:cNvPr id="3" name="내용 개체 틀 2">
+            <a:extLst>
+              <a:ext uri="{FF2B5EF4-FFF2-40B4-BE49-F238E27FC236}">
+                <a16:creationId xmlns:a16="http://schemas.microsoft.com/office/drawing/2014/main" id="{5C004757-46ED-2922-C100-47A9C9C82208}"/>
+              </a:ext>
+            </a:extLst>
+          </p:cNvPr>
+          <p:cNvSpPr>
+            <a:spLocks noGrp="1"/>
+          </p:cNvSpPr>
+          <p:nvPr>
+            <p:ph idx="1"/>
+          </p:nvPr>
+        </p:nvSpPr>
+        <p:spPr>
+          <a:xfrm>
+            <a:off x="838200" y="993057"/>
+            <a:ext cx="10515600" cy="5751872"/>
+          </a:xfrm>
+        </p:spPr>
+        <p:txBody>
+          <a:bodyPr>
+            <a:normAutofit/>
+          </a:bodyPr>
+          <a:lstStyle/>
+          <a:p>
+            <a:r>
+              <a:rPr lang="en-US" altLang="ko-KR" dirty="0"/>
+              <a:t>7</a:t>
+            </a:r>
+            <a:r>
+              <a:rPr lang="ko-KR" altLang="en-US" dirty="0"/>
+              <a:t>주차 </a:t>
+            </a:r>
+            <a:r>
+              <a:rPr lang="en-US" altLang="ko-KR" dirty="0"/>
+              <a:t>10/09 (</a:t>
+            </a:r>
+            <a:r>
+              <a:rPr lang="ko-KR" altLang="en-US" dirty="0"/>
+              <a:t>수</a:t>
+            </a:r>
+            <a:r>
+              <a:rPr lang="en-US" altLang="ko-KR" dirty="0"/>
+              <a:t>)</a:t>
+            </a:r>
+            <a:r>
+              <a:rPr lang="ko-KR" altLang="en-US" dirty="0"/>
+              <a:t> 이후</a:t>
+            </a:r>
+            <a:r>
+              <a:rPr lang="en-US" altLang="ko-KR" dirty="0"/>
+              <a:t>: </a:t>
+            </a:r>
+            <a:r>
+              <a:rPr lang="ko-KR" altLang="en-US" dirty="0"/>
+              <a:t>관리자 페이지 기능개발 </a:t>
+            </a:r>
+            <a:r>
+              <a:rPr lang="en-US" altLang="ko-KR" dirty="0"/>
+              <a:t>– </a:t>
+            </a:r>
+            <a:r>
+              <a:rPr lang="ko-KR" altLang="en-US" dirty="0"/>
+              <a:t>정보추가요청 승인기능</a:t>
+            </a:r>
+            <a:r>
+              <a:rPr lang="en-US" altLang="ko-KR" dirty="0"/>
+              <a:t>(</a:t>
+            </a:r>
+            <a:r>
+              <a:rPr lang="ko-KR" altLang="en-US" dirty="0" err="1"/>
+              <a:t>백엔드</a:t>
+            </a:r>
+            <a:r>
+              <a:rPr lang="en-US" altLang="ko-KR" dirty="0"/>
+              <a:t>)</a:t>
+            </a:r>
+          </a:p>
+          <a:p>
+            <a:r>
+              <a:rPr lang="ko-KR" altLang="en-US" dirty="0"/>
+              <a:t>해당 페이지 디자인 개선</a:t>
+            </a:r>
+            <a:r>
+              <a:rPr lang="en-US" altLang="ko-KR" dirty="0"/>
+              <a:t>(</a:t>
+            </a:r>
+            <a:r>
+              <a:rPr lang="ko-KR" altLang="en-US" dirty="0" err="1"/>
+              <a:t>프론트엔드</a:t>
+            </a:r>
+            <a:r>
+              <a:rPr lang="en-US" altLang="ko-KR" dirty="0"/>
+              <a:t>)</a:t>
+            </a:r>
+          </a:p>
+          <a:p>
+            <a:endParaRPr lang="en-US" altLang="ko-KR" dirty="0"/>
+          </a:p>
+          <a:p>
+            <a:r>
+              <a:rPr lang="en-US" altLang="ko-KR" dirty="0"/>
               <a:t>8</a:t>
             </a:r>
             <a:r>
@@ -4759,6 +5289,67 @@
               <a:rPr lang="en-US" altLang="ko-KR" dirty="0"/>
               <a:t>: </a:t>
             </a:r>
+            <a:r>
+              <a:rPr lang="ko-KR" altLang="en-US" dirty="0"/>
+              <a:t>관리자 페이지 기능개발 </a:t>
+            </a:r>
+            <a:r>
+              <a:rPr lang="en-US" altLang="ko-KR" dirty="0"/>
+              <a:t>– </a:t>
+            </a:r>
+            <a:r>
+              <a:rPr lang="ko-KR" altLang="en-US" dirty="0"/>
+              <a:t>정보수정요청 승인기능</a:t>
+            </a:r>
+            <a:r>
+              <a:rPr lang="en-US" altLang="ko-KR" dirty="0"/>
+              <a:t>, (</a:t>
+            </a:r>
+            <a:r>
+              <a:rPr lang="ko-KR" altLang="en-US" dirty="0"/>
+              <a:t>추가기능</a:t>
+            </a:r>
+            <a:r>
+              <a:rPr lang="en-US" altLang="ko-KR" dirty="0"/>
+              <a:t>)</a:t>
+            </a:r>
+            <a:r>
+              <a:rPr lang="ko-KR" altLang="en-US" dirty="0"/>
+              <a:t>시설물번호로 관리자가 직접 정보 수정을 할 수 있도록 하는 기능</a:t>
+            </a:r>
+            <a:r>
+              <a:rPr lang="en-US" altLang="ko-KR" dirty="0"/>
+              <a:t>(</a:t>
+            </a:r>
+            <a:r>
+              <a:rPr lang="ko-KR" altLang="en-US" dirty="0" err="1"/>
+              <a:t>백엔드</a:t>
+            </a:r>
+            <a:r>
+              <a:rPr lang="en-US" altLang="ko-KR" dirty="0"/>
+              <a:t>)</a:t>
+            </a:r>
+          </a:p>
+          <a:p>
+            <a:r>
+              <a:rPr lang="ko-KR" altLang="en-US" dirty="0"/>
+              <a:t>해당 페이지 디자인 개선</a:t>
+            </a:r>
+            <a:r>
+              <a:rPr lang="en-US" altLang="ko-KR" dirty="0"/>
+              <a:t>(</a:t>
+            </a:r>
+            <a:r>
+              <a:rPr lang="ko-KR" altLang="en-US" dirty="0" err="1"/>
+              <a:t>프론트엔드</a:t>
+            </a:r>
+            <a:r>
+              <a:rPr lang="en-US" altLang="ko-KR" dirty="0"/>
+              <a:t>)</a:t>
+            </a:r>
+          </a:p>
+          <a:p>
+            <a:endParaRPr lang="en-US" altLang="ko-KR" dirty="0"/>
           </a:p>
           <a:p>
             <a:r>
@@ -4787,25 +5378,11 @@
             </a:r>
             <a:r>
               <a:rPr lang="en-US" altLang="ko-KR" dirty="0"/>
-              <a:t>: </a:t>
-            </a:r>
-          </a:p>
-          <a:p>
-            <a:r>
-              <a:rPr lang="en-US" altLang="ko-KR" dirty="0"/>
-              <a:t>10</a:t>
-            </a:r>
-            <a:r>
-              <a:rPr lang="ko-KR" altLang="en-US" dirty="0"/>
-              <a:t>주차 </a:t>
-            </a:r>
-            <a:r>
-              <a:rPr lang="en-US" altLang="ko-KR" dirty="0"/>
-              <a:t>10/30 (</a:t>
-            </a:r>
-            <a:r>
-              <a:rPr lang="ko-KR" altLang="en-US" dirty="0"/>
-              <a:t>수</a:t>
+              <a:t>: (</a:t>
+            </a:r>
+            <a:r>
+              <a:rPr lang="ko-KR" altLang="en-US" dirty="0"/>
+              <a:t>추가기능</a:t>
             </a:r>
             <a:r>
               <a:rPr lang="en-US" altLang="ko-KR" dirty="0"/>
@@ -4813,158 +5390,38 @@
             </a:r>
             <a:r>
               <a:rPr lang="ko-KR" altLang="en-US" dirty="0"/>
-              <a:t> </a:t>
-            </a:r>
-            <a:r>
-              <a:rPr lang="en-US" altLang="ko-KR" dirty="0"/>
-              <a:t>:</a:t>
-            </a:r>
-            <a:r>
-              <a:rPr lang="ko-KR" altLang="en-US" dirty="0"/>
-              <a:t> 중간점검</a:t>
+              <a:t>관리자 페이지 기능개발 </a:t>
+            </a:r>
+            <a:r>
+              <a:rPr lang="en-US" altLang="ko-KR" dirty="0"/>
+              <a:t>– </a:t>
+            </a:r>
+            <a:r>
+              <a:rPr lang="ko-KR" altLang="en-US" dirty="0"/>
+              <a:t>관리자 추가 및 관리기능</a:t>
             </a:r>
             <a:endParaRPr lang="en-US" altLang="ko-KR" dirty="0"/>
           </a:p>
           <a:p>
             <a:r>
               <a:rPr lang="ko-KR" altLang="en-US" dirty="0"/>
-              <a:t>이후 </a:t>
-            </a:r>
-            <a:r>
-              <a:rPr lang="en-US" altLang="ko-KR" dirty="0"/>
-              <a:t>:  </a:t>
-            </a:r>
-          </a:p>
-          <a:p>
-            <a:r>
-              <a:rPr lang="en-US" altLang="ko-KR" dirty="0"/>
-              <a:t>11</a:t>
-            </a:r>
-            <a:r>
-              <a:rPr lang="ko-KR" altLang="en-US" dirty="0"/>
-              <a:t>주차 </a:t>
-            </a:r>
-            <a:r>
-              <a:rPr lang="en-US" altLang="ko-KR" dirty="0"/>
-              <a:t>11/06 (</a:t>
-            </a:r>
-            <a:r>
-              <a:rPr lang="ko-KR" altLang="en-US" dirty="0"/>
-              <a:t>수</a:t>
+              <a:t>해당 페이지 디자인 개선</a:t>
+            </a:r>
+            <a:r>
+              <a:rPr lang="en-US" altLang="ko-KR" dirty="0"/>
+              <a:t>(</a:t>
+            </a:r>
+            <a:r>
+              <a:rPr lang="ko-KR" altLang="en-US" dirty="0" err="1"/>
+              <a:t>프론트엔드</a:t>
             </a:r>
             <a:r>
               <a:rPr lang="en-US" altLang="ko-KR" dirty="0"/>
               <a:t>)</a:t>
             </a:r>
-            <a:r>
-              <a:rPr lang="ko-KR" altLang="en-US" dirty="0"/>
-              <a:t> 이후</a:t>
-            </a:r>
-            <a:r>
-              <a:rPr lang="en-US" altLang="ko-KR" dirty="0"/>
-              <a:t>: </a:t>
-            </a:r>
-          </a:p>
-          <a:p>
-            <a:r>
-              <a:rPr lang="en-US" altLang="ko-KR" dirty="0"/>
-              <a:t>12</a:t>
-            </a:r>
-            <a:r>
-              <a:rPr lang="ko-KR" altLang="en-US" dirty="0"/>
-              <a:t>주차 </a:t>
-            </a:r>
-            <a:r>
-              <a:rPr lang="en-US" altLang="ko-KR" dirty="0"/>
-              <a:t>11/13 (</a:t>
-            </a:r>
-            <a:r>
-              <a:rPr lang="ko-KR" altLang="en-US" dirty="0"/>
-              <a:t>수</a:t>
-            </a:r>
-            <a:r>
-              <a:rPr lang="en-US" altLang="ko-KR" dirty="0"/>
-              <a:t>)</a:t>
-            </a:r>
-            <a:r>
-              <a:rPr lang="ko-KR" altLang="en-US" dirty="0"/>
-              <a:t> 이후</a:t>
-            </a:r>
-            <a:r>
-              <a:rPr lang="en-US" altLang="ko-KR" dirty="0"/>
-              <a:t>: </a:t>
-            </a:r>
-          </a:p>
-          <a:p>
-            <a:r>
-              <a:rPr lang="en-US" altLang="ko-KR" dirty="0"/>
-              <a:t>13</a:t>
-            </a:r>
-            <a:r>
-              <a:rPr lang="ko-KR" altLang="en-US" dirty="0"/>
-              <a:t>주차 </a:t>
-            </a:r>
-            <a:r>
-              <a:rPr lang="en-US" altLang="ko-KR" dirty="0"/>
-              <a:t>11/20 (</a:t>
-            </a:r>
-            <a:r>
-              <a:rPr lang="ko-KR" altLang="en-US" dirty="0"/>
-              <a:t>수</a:t>
-            </a:r>
-            <a:r>
-              <a:rPr lang="en-US" altLang="ko-KR" dirty="0"/>
-              <a:t>)</a:t>
-            </a:r>
-            <a:r>
-              <a:rPr lang="ko-KR" altLang="en-US" dirty="0"/>
-              <a:t> 이후</a:t>
-            </a:r>
-            <a:r>
-              <a:rPr lang="en-US" altLang="ko-KR" dirty="0"/>
-              <a:t>: </a:t>
-            </a:r>
-          </a:p>
-          <a:p>
-            <a:r>
-              <a:rPr lang="en-US" altLang="ko-KR" dirty="0"/>
-              <a:t>14</a:t>
-            </a:r>
-            <a:r>
-              <a:rPr lang="ko-KR" altLang="en-US" dirty="0"/>
-              <a:t>주차 </a:t>
-            </a:r>
-            <a:r>
-              <a:rPr lang="en-US" altLang="ko-KR" dirty="0"/>
-              <a:t>11/27 (</a:t>
-            </a:r>
-            <a:r>
-              <a:rPr lang="ko-KR" altLang="en-US" dirty="0"/>
-              <a:t>수</a:t>
-            </a:r>
-            <a:r>
-              <a:rPr lang="en-US" altLang="ko-KR" dirty="0"/>
-              <a:t>) : </a:t>
-            </a:r>
-            <a:r>
-              <a:rPr lang="ko-KR" altLang="en-US" dirty="0"/>
-              <a:t>최종 전시회</a:t>
-            </a:r>
+          </a:p>
+          <a:p>
             <a:endParaRPr lang="en-US" altLang="ko-KR" dirty="0"/>
-          </a:p>
-          <a:p>
-            <a:r>
-              <a:rPr lang="ko-KR" altLang="en-US" dirty="0"/>
-              <a:t>이후 </a:t>
-            </a:r>
-            <a:r>
-              <a:rPr lang="en-US" altLang="ko-KR" dirty="0"/>
-              <a:t>: </a:t>
-            </a:r>
-            <a:r>
-              <a:rPr lang="ko-KR" altLang="en-US" dirty="0"/>
-              <a:t>꾸준한 웹사이트 관리</a:t>
-            </a:r>
           </a:p>
         </p:txBody>
       </p:sp>
@@ -4972,6 +5429,517 @@
     <p:extLst>
       <p:ext uri="{BB962C8B-B14F-4D97-AF65-F5344CB8AC3E}">
         <p14:creationId xmlns:p14="http://schemas.microsoft.com/office/powerpoint/2010/main" val="307318620"/>
+      </p:ext>
+    </p:extLst>
+  </p:cSld>
+  <p:clrMapOvr>
+    <a:masterClrMapping/>
+  </p:clrMapOvr>
+</p:sld>
+</file>
+
+<file path=ppt/slides/slide6.xml><?xml version="1.0" encoding="utf-8"?>
+<p:sld xmlns:a="http://schemas.openxmlformats.org/drawingml/2006/main" xmlns:r="http://schemas.openxmlformats.org/officeDocument/2006/relationships" xmlns:p="http://schemas.openxmlformats.org/presentationml/2006/main">
+  <p:cSld>
+    <p:spTree>
+      <p:nvGrpSpPr>
+        <p:cNvPr id="1" name=""/>
+        <p:cNvGrpSpPr/>
+        <p:nvPr/>
+      </p:nvGrpSpPr>
+      <p:grpSpPr>
+        <a:xfrm>
+          <a:off x="0" y="0"/>
+          <a:ext cx="0" cy="0"/>
+          <a:chOff x="0" y="0"/>
+          <a:chExt cx="0" cy="0"/>
+        </a:xfrm>
+      </p:grpSpPr>
+      <p:sp>
+        <p:nvSpPr>
+          <p:cNvPr id="2" name="제목 1">
+            <a:extLst>
+              <a:ext uri="{FF2B5EF4-FFF2-40B4-BE49-F238E27FC236}">
+                <a16:creationId xmlns:a16="http://schemas.microsoft.com/office/drawing/2014/main" id="{D9D1B407-7470-ACC9-2F27-2102114D6CFF}"/>
+              </a:ext>
+            </a:extLst>
+          </p:cNvPr>
+          <p:cNvSpPr>
+            <a:spLocks noGrp="1"/>
+          </p:cNvSpPr>
+          <p:nvPr>
+            <p:ph type="title"/>
+          </p:nvPr>
+        </p:nvSpPr>
+        <p:spPr>
+          <a:xfrm>
+            <a:off x="838200" y="365126"/>
+            <a:ext cx="10515600" cy="804914"/>
+          </a:xfrm>
+        </p:spPr>
+        <p:txBody>
+          <a:bodyPr/>
+          <a:lstStyle/>
+          <a:p>
+            <a:r>
+              <a:rPr lang="ko-KR" altLang="en-US" dirty="0"/>
+              <a:t>주별 개발 일정</a:t>
+            </a:r>
+          </a:p>
+        </p:txBody>
+      </p:sp>
+      <p:sp>
+        <p:nvSpPr>
+          <p:cNvPr id="3" name="내용 개체 틀 2">
+            <a:extLst>
+              <a:ext uri="{FF2B5EF4-FFF2-40B4-BE49-F238E27FC236}">
+                <a16:creationId xmlns:a16="http://schemas.microsoft.com/office/drawing/2014/main" id="{D081CF53-55A5-E97B-68FE-8312930FC43E}"/>
+              </a:ext>
+            </a:extLst>
+          </p:cNvPr>
+          <p:cNvSpPr>
+            <a:spLocks noGrp="1"/>
+          </p:cNvSpPr>
+          <p:nvPr>
+            <p:ph idx="1"/>
+          </p:nvPr>
+        </p:nvSpPr>
+        <p:spPr>
+          <a:xfrm>
+            <a:off x="838200" y="1474838"/>
+            <a:ext cx="10515600" cy="4916129"/>
+          </a:xfrm>
+        </p:spPr>
+        <p:txBody>
+          <a:bodyPr>
+            <a:normAutofit/>
+          </a:bodyPr>
+          <a:lstStyle/>
+          <a:p>
+            <a:r>
+              <a:rPr lang="en-US" altLang="ko-KR" dirty="0"/>
+              <a:t>10</a:t>
+            </a:r>
+            <a:r>
+              <a:rPr lang="ko-KR" altLang="en-US" dirty="0"/>
+              <a:t>주차 </a:t>
+            </a:r>
+            <a:r>
+              <a:rPr lang="en-US" altLang="ko-KR" dirty="0"/>
+              <a:t>10/30 (</a:t>
+            </a:r>
+            <a:r>
+              <a:rPr lang="ko-KR" altLang="en-US" dirty="0"/>
+              <a:t>수</a:t>
+            </a:r>
+            <a:r>
+              <a:rPr lang="en-US" altLang="ko-KR" dirty="0"/>
+              <a:t>)</a:t>
+            </a:r>
+            <a:r>
+              <a:rPr lang="ko-KR" altLang="en-US" dirty="0"/>
+              <a:t> </a:t>
+            </a:r>
+            <a:r>
+              <a:rPr lang="en-US" altLang="ko-KR" dirty="0"/>
+              <a:t>:</a:t>
+            </a:r>
+            <a:r>
+              <a:rPr lang="ko-KR" altLang="en-US" dirty="0"/>
+              <a:t> 중간점검</a:t>
+            </a:r>
+            <a:endParaRPr lang="en-US" altLang="ko-KR" dirty="0"/>
+          </a:p>
+          <a:p>
+            <a:r>
+              <a:rPr lang="ko-KR" altLang="en-US" dirty="0"/>
+              <a:t>이후 </a:t>
+            </a:r>
+            <a:r>
+              <a:rPr lang="en-US" altLang="ko-KR" dirty="0"/>
+              <a:t>:  </a:t>
+            </a:r>
+            <a:r>
+              <a:rPr lang="ko-KR" altLang="en-US" dirty="0"/>
+              <a:t>웹서버 직접 돌려보기</a:t>
+            </a:r>
+          </a:p>
+          <a:p>
+            <a:endParaRPr lang="en-US" altLang="ko-KR" dirty="0"/>
+          </a:p>
+          <a:p>
+            <a:r>
+              <a:rPr lang="en-US" altLang="ko-KR" dirty="0"/>
+              <a:t>11</a:t>
+            </a:r>
+            <a:r>
+              <a:rPr lang="ko-KR" altLang="en-US" dirty="0"/>
+              <a:t>주차 </a:t>
+            </a:r>
+            <a:r>
+              <a:rPr lang="en-US" altLang="ko-KR" dirty="0"/>
+              <a:t>11/06 (</a:t>
+            </a:r>
+            <a:r>
+              <a:rPr lang="ko-KR" altLang="en-US" dirty="0"/>
+              <a:t>수</a:t>
+            </a:r>
+            <a:r>
+              <a:rPr lang="en-US" altLang="ko-KR" dirty="0"/>
+              <a:t>)</a:t>
+            </a:r>
+            <a:r>
+              <a:rPr lang="ko-KR" altLang="en-US" dirty="0"/>
+              <a:t> 이후</a:t>
+            </a:r>
+            <a:r>
+              <a:rPr lang="en-US" altLang="ko-KR" dirty="0"/>
+              <a:t>: </a:t>
+            </a:r>
+            <a:r>
+              <a:rPr lang="ko-KR" altLang="en-US" dirty="0"/>
+              <a:t>웹사이트 문제점 수정</a:t>
+            </a:r>
+            <a:endParaRPr lang="en-US" altLang="ko-KR" dirty="0"/>
+          </a:p>
+          <a:p>
+            <a:r>
+              <a:rPr lang="en-US" altLang="ko-KR" dirty="0"/>
+              <a:t>12</a:t>
+            </a:r>
+            <a:r>
+              <a:rPr lang="ko-KR" altLang="en-US" dirty="0"/>
+              <a:t>주차 </a:t>
+            </a:r>
+            <a:r>
+              <a:rPr lang="en-US" altLang="ko-KR" dirty="0"/>
+              <a:t>11/13 (</a:t>
+            </a:r>
+            <a:r>
+              <a:rPr lang="ko-KR" altLang="en-US" dirty="0"/>
+              <a:t>수</a:t>
+            </a:r>
+            <a:r>
+              <a:rPr lang="en-US" altLang="ko-KR" dirty="0"/>
+              <a:t>)</a:t>
+            </a:r>
+            <a:r>
+              <a:rPr lang="ko-KR" altLang="en-US" dirty="0"/>
+              <a:t> 이후</a:t>
+            </a:r>
+            <a:r>
+              <a:rPr lang="en-US" altLang="ko-KR" dirty="0"/>
+              <a:t>: </a:t>
+            </a:r>
+            <a:r>
+              <a:rPr lang="ko-KR" altLang="en-US" dirty="0"/>
+              <a:t>웹사이트 문제점 수정</a:t>
+            </a:r>
+            <a:r>
+              <a:rPr lang="en-US" altLang="ko-KR" dirty="0"/>
+              <a:t>, </a:t>
+            </a:r>
+            <a:r>
+              <a:rPr lang="ko-KR" altLang="en-US" dirty="0"/>
+              <a:t>전시회 준비</a:t>
+            </a:r>
+            <a:endParaRPr lang="en-US" altLang="ko-KR" dirty="0"/>
+          </a:p>
+          <a:p>
+            <a:r>
+              <a:rPr lang="en-US" altLang="ko-KR" dirty="0"/>
+              <a:t>13</a:t>
+            </a:r>
+            <a:r>
+              <a:rPr lang="ko-KR" altLang="en-US" dirty="0"/>
+              <a:t>주차 </a:t>
+            </a:r>
+            <a:r>
+              <a:rPr lang="en-US" altLang="ko-KR" dirty="0"/>
+              <a:t>11/20 (</a:t>
+            </a:r>
+            <a:r>
+              <a:rPr lang="ko-KR" altLang="en-US" dirty="0"/>
+              <a:t>수</a:t>
+            </a:r>
+            <a:r>
+              <a:rPr lang="en-US" altLang="ko-KR" dirty="0"/>
+              <a:t>)</a:t>
+            </a:r>
+            <a:r>
+              <a:rPr lang="ko-KR" altLang="en-US" dirty="0"/>
+              <a:t> 이후</a:t>
+            </a:r>
+            <a:r>
+              <a:rPr lang="en-US" altLang="ko-KR" dirty="0"/>
+              <a:t>: </a:t>
+            </a:r>
+            <a:r>
+              <a:rPr lang="ko-KR" altLang="en-US" dirty="0"/>
+              <a:t>전시회 준비</a:t>
+            </a:r>
+            <a:endParaRPr lang="en-US" altLang="ko-KR" dirty="0"/>
+          </a:p>
+          <a:p>
+            <a:endParaRPr lang="en-US" altLang="ko-KR" dirty="0"/>
+          </a:p>
+          <a:p>
+            <a:r>
+              <a:rPr lang="en-US" altLang="ko-KR" dirty="0"/>
+              <a:t>14</a:t>
+            </a:r>
+            <a:r>
+              <a:rPr lang="ko-KR" altLang="en-US" dirty="0"/>
+              <a:t>주차 </a:t>
+            </a:r>
+            <a:r>
+              <a:rPr lang="en-US" altLang="ko-KR" dirty="0"/>
+              <a:t>11/27 (</a:t>
+            </a:r>
+            <a:r>
+              <a:rPr lang="ko-KR" altLang="en-US" dirty="0"/>
+              <a:t>수</a:t>
+            </a:r>
+            <a:r>
+              <a:rPr lang="en-US" altLang="ko-KR" dirty="0"/>
+              <a:t>) : </a:t>
+            </a:r>
+            <a:r>
+              <a:rPr lang="ko-KR" altLang="en-US" dirty="0"/>
+              <a:t>최종 전시회</a:t>
+            </a:r>
+            <a:endParaRPr lang="en-US" altLang="ko-KR" dirty="0"/>
+          </a:p>
+          <a:p>
+            <a:r>
+              <a:rPr lang="ko-KR" altLang="en-US" dirty="0"/>
+              <a:t>이후 </a:t>
+            </a:r>
+            <a:r>
+              <a:rPr lang="en-US" altLang="ko-KR" dirty="0"/>
+              <a:t>: </a:t>
+            </a:r>
+            <a:r>
+              <a:rPr lang="ko-KR" altLang="en-US" dirty="0"/>
+              <a:t>꾸준한 웹사이트 관리</a:t>
+            </a:r>
+          </a:p>
+          <a:p>
+            <a:endParaRPr lang="ko-KR" altLang="en-US" dirty="0"/>
+          </a:p>
+        </p:txBody>
+      </p:sp>
+    </p:spTree>
+    <p:extLst>
+      <p:ext uri="{BB962C8B-B14F-4D97-AF65-F5344CB8AC3E}">
+        <p14:creationId xmlns:p14="http://schemas.microsoft.com/office/powerpoint/2010/main" val="2669800195"/>
+      </p:ext>
+    </p:extLst>
+  </p:cSld>
+  <p:clrMapOvr>
+    <a:masterClrMapping/>
+  </p:clrMapOvr>
+</p:sld>
+</file>
+
+<file path=ppt/slides/slide7.xml><?xml version="1.0" encoding="utf-8"?>
+<p:sld xmlns:a="http://schemas.openxmlformats.org/drawingml/2006/main" xmlns:r="http://schemas.openxmlformats.org/officeDocument/2006/relationships" xmlns:p="http://schemas.openxmlformats.org/presentationml/2006/main">
+  <p:cSld>
+    <p:spTree>
+      <p:nvGrpSpPr>
+        <p:cNvPr id="1" name=""/>
+        <p:cNvGrpSpPr/>
+        <p:nvPr/>
+      </p:nvGrpSpPr>
+      <p:grpSpPr>
+        <a:xfrm>
+          <a:off x="0" y="0"/>
+          <a:ext cx="0" cy="0"/>
+          <a:chOff x="0" y="0"/>
+          <a:chExt cx="0" cy="0"/>
+        </a:xfrm>
+      </p:grpSpPr>
+      <p:sp>
+        <p:nvSpPr>
+          <p:cNvPr id="2" name="제목 1">
+            <a:extLst>
+              <a:ext uri="{FF2B5EF4-FFF2-40B4-BE49-F238E27FC236}">
+                <a16:creationId xmlns:a16="http://schemas.microsoft.com/office/drawing/2014/main" id="{0C3353D4-FD20-84B1-FC02-602E84FFC0B8}"/>
+              </a:ext>
+            </a:extLst>
+          </p:cNvPr>
+          <p:cNvSpPr>
+            <a:spLocks noGrp="1"/>
+          </p:cNvSpPr>
+          <p:nvPr>
+            <p:ph type="title"/>
+          </p:nvPr>
+        </p:nvSpPr>
+        <p:spPr/>
+        <p:txBody>
+          <a:bodyPr/>
+          <a:lstStyle/>
+          <a:p>
+            <a:r>
+              <a:rPr lang="ko-KR" altLang="en-US" dirty="0"/>
+              <a:t>전시회</a:t>
+            </a:r>
+          </a:p>
+        </p:txBody>
+      </p:sp>
+      <p:sp>
+        <p:nvSpPr>
+          <p:cNvPr id="3" name="내용 개체 틀 2">
+            <a:extLst>
+              <a:ext uri="{FF2B5EF4-FFF2-40B4-BE49-F238E27FC236}">
+                <a16:creationId xmlns:a16="http://schemas.microsoft.com/office/drawing/2014/main" id="{7F6DE8C5-1DC2-6394-FF92-8B8A0616010B}"/>
+              </a:ext>
+            </a:extLst>
+          </p:cNvPr>
+          <p:cNvSpPr>
+            <a:spLocks noGrp="1"/>
+          </p:cNvSpPr>
+          <p:nvPr>
+            <p:ph idx="1"/>
+          </p:nvPr>
+        </p:nvSpPr>
+        <p:spPr/>
+        <p:txBody>
+          <a:bodyPr/>
+          <a:lstStyle/>
+          <a:p>
+            <a:r>
+              <a:rPr lang="ko-KR" altLang="en-US" dirty="0"/>
+              <a:t>실제 운영되는 웹사이트와 별도로</a:t>
+            </a:r>
+            <a:r>
+              <a:rPr lang="en-US" altLang="ko-KR" dirty="0"/>
+              <a:t>, </a:t>
+            </a:r>
+            <a:r>
+              <a:rPr lang="ko-KR" altLang="en-US" dirty="0"/>
+              <a:t>복사본 웹사이트를 준비</a:t>
+            </a:r>
+            <a:endParaRPr lang="en-US" altLang="ko-KR" dirty="0"/>
+          </a:p>
+          <a:p>
+            <a:r>
+              <a:rPr lang="ko-KR" altLang="en-US" dirty="0"/>
+              <a:t>노트북 </a:t>
+            </a:r>
+            <a:r>
+              <a:rPr lang="en-US" altLang="ko-KR" dirty="0"/>
+              <a:t>2</a:t>
+            </a:r>
+            <a:r>
+              <a:rPr lang="ko-KR" altLang="en-US" dirty="0"/>
+              <a:t>개 준비</a:t>
+            </a:r>
+            <a:r>
+              <a:rPr lang="en-US" altLang="ko-KR" dirty="0"/>
+              <a:t>(</a:t>
+            </a:r>
+            <a:r>
+              <a:rPr lang="ko-KR" altLang="en-US" dirty="0"/>
+              <a:t>일반사용자</a:t>
+            </a:r>
+            <a:r>
+              <a:rPr lang="en-US" altLang="ko-KR" dirty="0"/>
+              <a:t>, </a:t>
+            </a:r>
+            <a:r>
+              <a:rPr lang="ko-KR" altLang="en-US" dirty="0"/>
+              <a:t>관리자</a:t>
+            </a:r>
+            <a:r>
+              <a:rPr lang="en-US" altLang="ko-KR" dirty="0"/>
+              <a:t>)</a:t>
+            </a:r>
+          </a:p>
+          <a:p>
+            <a:endParaRPr lang="en-US" altLang="ko-KR" dirty="0"/>
+          </a:p>
+          <a:p>
+            <a:r>
+              <a:rPr lang="en-US" altLang="ko-KR" dirty="0"/>
+              <a:t>1) </a:t>
+            </a:r>
+            <a:r>
+              <a:rPr lang="ko-KR" altLang="en-US" dirty="0"/>
+              <a:t>온라인 안전지도 소개</a:t>
+            </a:r>
+            <a:r>
+              <a:rPr lang="en-US" altLang="ko-KR" dirty="0"/>
+              <a:t>, </a:t>
+            </a:r>
+            <a:r>
+              <a:rPr lang="ko-KR" altLang="en-US" dirty="0" err="1"/>
+              <a:t>메인페이지</a:t>
+            </a:r>
+            <a:r>
+              <a:rPr lang="ko-KR" altLang="en-US" dirty="0"/>
+              <a:t> 보여주기</a:t>
+            </a:r>
+            <a:endParaRPr lang="en-US" altLang="ko-KR" dirty="0"/>
+          </a:p>
+          <a:p>
+            <a:r>
+              <a:rPr lang="en-US" altLang="ko-KR" dirty="0"/>
+              <a:t>2) </a:t>
+            </a:r>
+            <a:r>
+              <a:rPr lang="ko-KR" altLang="en-US" dirty="0"/>
+              <a:t>일반사용자가 장소 추가 요청을 </a:t>
+            </a:r>
+            <a:r>
+              <a:rPr lang="ko-KR" altLang="en-US" dirty="0" err="1"/>
+              <a:t>하는것을</a:t>
+            </a:r>
+            <a:r>
+              <a:rPr lang="ko-KR" altLang="en-US" dirty="0"/>
+              <a:t> 보여주기</a:t>
+            </a:r>
+            <a:endParaRPr lang="en-US" altLang="ko-KR" dirty="0"/>
+          </a:p>
+          <a:p>
+            <a:r>
+              <a:rPr lang="en-US" altLang="ko-KR" dirty="0"/>
+              <a:t>3) </a:t>
+            </a:r>
+            <a:r>
+              <a:rPr lang="ko-KR" altLang="en-US" dirty="0"/>
+              <a:t>관리자가 승인하는 것을 보여주기</a:t>
+            </a:r>
+            <a:endParaRPr lang="en-US" altLang="ko-KR" dirty="0"/>
+          </a:p>
+          <a:p>
+            <a:r>
+              <a:rPr lang="en-US" altLang="ko-KR" dirty="0"/>
+              <a:t>4) </a:t>
+            </a:r>
+            <a:r>
+              <a:rPr lang="ko-KR" altLang="en-US" dirty="0" err="1"/>
+              <a:t>메인페이지에</a:t>
+            </a:r>
+            <a:r>
+              <a:rPr lang="ko-KR" altLang="en-US" dirty="0"/>
+              <a:t> 새로운 마커가 표시되고</a:t>
+            </a:r>
+            <a:r>
+              <a:rPr lang="en-US" altLang="ko-KR" dirty="0"/>
+              <a:t>, </a:t>
+            </a:r>
+            <a:r>
+              <a:rPr lang="ko-KR" altLang="en-US" dirty="0"/>
+              <a:t>정보 확인이 가능한 것을 보여주기</a:t>
+            </a:r>
+          </a:p>
+        </p:txBody>
+      </p:sp>
+    </p:spTree>
+    <p:extLst>
+      <p:ext uri="{BB962C8B-B14F-4D97-AF65-F5344CB8AC3E}">
+        <p14:creationId xmlns:p14="http://schemas.microsoft.com/office/powerpoint/2010/main" val="209417563"/>
       </p:ext>
     </p:extLst>
   </p:cSld>

--- a/업무분장 및 주차별 일정.pptx
+++ b/업무분장 및 주차별 일정.pptx
@@ -3880,6 +3880,18 @@
               <a:rPr lang="ko-KR" altLang="en-US" dirty="0"/>
               <a:t> 개발</a:t>
             </a:r>
+            <a:endParaRPr lang="en-US" altLang="ko-KR" dirty="0"/>
+          </a:p>
+          <a:p>
+            <a:pPr lvl="1"/>
+            <a:r>
+              <a:rPr lang="ko-KR" altLang="en-US" dirty="0" err="1"/>
+              <a:t>프론트엔드</a:t>
+            </a:r>
+            <a:r>
+              <a:rPr lang="ko-KR" altLang="en-US" dirty="0"/>
+              <a:t> 개발</a:t>
+            </a:r>
           </a:p>
         </p:txBody>
       </p:sp>
@@ -4088,6 +4100,18 @@
               <a:rPr lang="en-US" altLang="ko-KR" dirty="0"/>
               <a:t>:</a:t>
             </a:r>
+          </a:p>
+          <a:p>
+            <a:pPr lvl="1"/>
+            <a:r>
+              <a:rPr lang="ko-KR" altLang="en-US" dirty="0" err="1"/>
+              <a:t>백엔드</a:t>
+            </a:r>
+            <a:r>
+              <a:rPr lang="ko-KR" altLang="en-US"/>
+              <a:t> 개발</a:t>
+            </a:r>
+            <a:endParaRPr lang="en-US" altLang="ko-KR" dirty="0"/>
           </a:p>
           <a:p>
             <a:pPr lvl="1"/>

--- a/업무분장 및 주차별 일정.pptx
+++ b/업무분장 및 주차별 일정.pptx
@@ -3889,9 +3889,10 @@
               <a:t>프론트엔드</a:t>
             </a:r>
             <a:r>
-              <a:rPr lang="ko-KR" altLang="en-US" dirty="0"/>
-              <a:t> 개발</a:t>
-            </a:r>
+              <a:rPr lang="ko-KR" altLang="en-US"/>
+              <a:t> 지원</a:t>
+            </a:r>
+            <a:endParaRPr lang="ko-KR" altLang="en-US" dirty="0"/>
           </a:p>
         </p:txBody>
       </p:sp>
@@ -4108,7 +4109,7 @@
               <a:t>백엔드</a:t>
             </a:r>
             <a:r>
-              <a:rPr lang="ko-KR" altLang="en-US"/>
+              <a:rPr lang="ko-KR" altLang="en-US" dirty="0"/>
               <a:t> 개발</a:t>
             </a:r>
             <a:endParaRPr lang="en-US" altLang="ko-KR" dirty="0"/>

--- a/업무분장 및 주차별 일정.pptx
+++ b/업무분장 및 주차별 일정.pptx
@@ -265,7 +265,7 @@
           <a:p>
             <a:fld id="{324F385A-721D-4996-9921-6513D4AB6544}" type="datetimeFigureOut">
               <a:rPr lang="ko-KR" altLang="en-US" smtClean="0"/>
-              <a:t>2024-09-03</a:t>
+              <a:t>2024-09-11</a:t>
             </a:fld>
             <a:endParaRPr lang="ko-KR" altLang="en-US"/>
           </a:p>
@@ -463,7 +463,7 @@
           <a:p>
             <a:fld id="{324F385A-721D-4996-9921-6513D4AB6544}" type="datetimeFigureOut">
               <a:rPr lang="ko-KR" altLang="en-US" smtClean="0"/>
-              <a:t>2024-09-03</a:t>
+              <a:t>2024-09-11</a:t>
             </a:fld>
             <a:endParaRPr lang="ko-KR" altLang="en-US"/>
           </a:p>
@@ -671,7 +671,7 @@
           <a:p>
             <a:fld id="{324F385A-721D-4996-9921-6513D4AB6544}" type="datetimeFigureOut">
               <a:rPr lang="ko-KR" altLang="en-US" smtClean="0"/>
-              <a:t>2024-09-03</a:t>
+              <a:t>2024-09-11</a:t>
             </a:fld>
             <a:endParaRPr lang="ko-KR" altLang="en-US"/>
           </a:p>
@@ -869,7 +869,7 @@
           <a:p>
             <a:fld id="{324F385A-721D-4996-9921-6513D4AB6544}" type="datetimeFigureOut">
               <a:rPr lang="ko-KR" altLang="en-US" smtClean="0"/>
-              <a:t>2024-09-03</a:t>
+              <a:t>2024-09-11</a:t>
             </a:fld>
             <a:endParaRPr lang="ko-KR" altLang="en-US"/>
           </a:p>
@@ -1144,7 +1144,7 @@
           <a:p>
             <a:fld id="{324F385A-721D-4996-9921-6513D4AB6544}" type="datetimeFigureOut">
               <a:rPr lang="ko-KR" altLang="en-US" smtClean="0"/>
-              <a:t>2024-09-03</a:t>
+              <a:t>2024-09-11</a:t>
             </a:fld>
             <a:endParaRPr lang="ko-KR" altLang="en-US"/>
           </a:p>
@@ -1409,7 +1409,7 @@
           <a:p>
             <a:fld id="{324F385A-721D-4996-9921-6513D4AB6544}" type="datetimeFigureOut">
               <a:rPr lang="ko-KR" altLang="en-US" smtClean="0"/>
-              <a:t>2024-09-03</a:t>
+              <a:t>2024-09-11</a:t>
             </a:fld>
             <a:endParaRPr lang="ko-KR" altLang="en-US"/>
           </a:p>
@@ -1821,7 +1821,7 @@
           <a:p>
             <a:fld id="{324F385A-721D-4996-9921-6513D4AB6544}" type="datetimeFigureOut">
               <a:rPr lang="ko-KR" altLang="en-US" smtClean="0"/>
-              <a:t>2024-09-03</a:t>
+              <a:t>2024-09-11</a:t>
             </a:fld>
             <a:endParaRPr lang="ko-KR" altLang="en-US"/>
           </a:p>
@@ -1962,7 +1962,7 @@
           <a:p>
             <a:fld id="{324F385A-721D-4996-9921-6513D4AB6544}" type="datetimeFigureOut">
               <a:rPr lang="ko-KR" altLang="en-US" smtClean="0"/>
-              <a:t>2024-09-03</a:t>
+              <a:t>2024-09-11</a:t>
             </a:fld>
             <a:endParaRPr lang="ko-KR" altLang="en-US"/>
           </a:p>
@@ -2075,7 +2075,7 @@
           <a:p>
             <a:fld id="{324F385A-721D-4996-9921-6513D4AB6544}" type="datetimeFigureOut">
               <a:rPr lang="ko-KR" altLang="en-US" smtClean="0"/>
-              <a:t>2024-09-03</a:t>
+              <a:t>2024-09-11</a:t>
             </a:fld>
             <a:endParaRPr lang="ko-KR" altLang="en-US"/>
           </a:p>
@@ -2386,7 +2386,7 @@
           <a:p>
             <a:fld id="{324F385A-721D-4996-9921-6513D4AB6544}" type="datetimeFigureOut">
               <a:rPr lang="ko-KR" altLang="en-US" smtClean="0"/>
-              <a:t>2024-09-03</a:t>
+              <a:t>2024-09-11</a:t>
             </a:fld>
             <a:endParaRPr lang="ko-KR" altLang="en-US"/>
           </a:p>
@@ -2674,7 +2674,7 @@
           <a:p>
             <a:fld id="{324F385A-721D-4996-9921-6513D4AB6544}" type="datetimeFigureOut">
               <a:rPr lang="ko-KR" altLang="en-US" smtClean="0"/>
-              <a:t>2024-09-03</a:t>
+              <a:t>2024-09-11</a:t>
             </a:fld>
             <a:endParaRPr lang="ko-KR" altLang="en-US"/>
           </a:p>
@@ -2915,7 +2915,7 @@
           <a:p>
             <a:fld id="{324F385A-721D-4996-9921-6513D4AB6544}" type="datetimeFigureOut">
               <a:rPr lang="ko-KR" altLang="en-US" smtClean="0"/>
-              <a:t>2024-09-03</a:t>
+              <a:t>2024-09-11</a:t>
             </a:fld>
             <a:endParaRPr lang="ko-KR" altLang="en-US"/>
           </a:p>
@@ -3630,26 +3630,26 @@
           <a:p>
             <a:pPr lvl="1"/>
             <a:r>
-              <a:rPr lang="ko-KR" altLang="en-US" dirty="0" err="1"/>
+              <a:rPr lang="ko-KR" altLang="en-US" b="1" dirty="0" err="1"/>
               <a:t>백엔드</a:t>
             </a:r>
             <a:r>
-              <a:rPr lang="ko-KR" altLang="en-US" dirty="0"/>
+              <a:rPr lang="en-US" altLang="ko-KR" b="1" dirty="0"/>
+              <a:t>(</a:t>
+            </a:r>
+            <a:r>
+              <a:rPr lang="ko-KR" altLang="en-US" b="1" dirty="0"/>
+              <a:t>데이터베이스</a:t>
+            </a:r>
+            <a:r>
+              <a:rPr lang="en-US" altLang="ko-KR" b="1" dirty="0"/>
+              <a:t>)</a:t>
+            </a:r>
+            <a:r>
+              <a:rPr lang="ko-KR" altLang="en-US" b="1" dirty="0"/>
               <a:t> 개발</a:t>
             </a:r>
-            <a:endParaRPr lang="en-US" altLang="ko-KR" dirty="0"/>
-          </a:p>
-          <a:p>
-            <a:pPr lvl="1"/>
-            <a:r>
-              <a:rPr lang="ko-KR" altLang="en-US" dirty="0" err="1"/>
-              <a:t>프론트엔드</a:t>
-            </a:r>
-            <a:r>
-              <a:rPr lang="ko-KR" altLang="en-US" dirty="0"/>
-              <a:t> 지원</a:t>
-            </a:r>
-            <a:endParaRPr lang="en-US" altLang="ko-KR" dirty="0"/>
+            <a:endParaRPr lang="en-US" altLang="ko-KR" b="1" dirty="0"/>
           </a:p>
           <a:p>
             <a:pPr lvl="1"/>
@@ -3873,26 +3873,13 @@
           <a:p>
             <a:pPr lvl="1"/>
             <a:r>
-              <a:rPr lang="ko-KR" altLang="en-US" dirty="0" err="1"/>
-              <a:t>백엔드</a:t>
-            </a:r>
-            <a:r>
-              <a:rPr lang="ko-KR" altLang="en-US" dirty="0"/>
-              <a:t> 개발</a:t>
-            </a:r>
-            <a:endParaRPr lang="en-US" altLang="ko-KR" dirty="0"/>
-          </a:p>
-          <a:p>
-            <a:pPr lvl="1"/>
-            <a:r>
-              <a:rPr lang="ko-KR" altLang="en-US" dirty="0" err="1"/>
-              <a:t>프론트엔드</a:t>
-            </a:r>
-            <a:r>
-              <a:rPr lang="ko-KR" altLang="en-US"/>
-              <a:t> 지원</a:t>
-            </a:r>
-            <a:endParaRPr lang="ko-KR" altLang="en-US" dirty="0"/>
+              <a:rPr lang="en-US" altLang="ko-KR" b="1" dirty="0"/>
+              <a:t>AI </a:t>
+            </a:r>
+            <a:r>
+              <a:rPr lang="ko-KR" altLang="en-US" b="1" dirty="0"/>
+              <a:t>개발</a:t>
+            </a:r>
           </a:p>
         </p:txBody>
       </p:sp>
@@ -4105,26 +4092,14 @@
           <a:p>
             <a:pPr lvl="1"/>
             <a:r>
-              <a:rPr lang="ko-KR" altLang="en-US" dirty="0" err="1"/>
-              <a:t>백엔드</a:t>
-            </a:r>
-            <a:r>
-              <a:rPr lang="ko-KR" altLang="en-US" dirty="0"/>
+              <a:rPr lang="ko-KR" altLang="en-US" b="1" dirty="0" err="1"/>
+              <a:t>프론트엔드</a:t>
+            </a:r>
+            <a:r>
+              <a:rPr lang="ko-KR" altLang="en-US" b="1" dirty="0"/>
               <a:t> 개발</a:t>
             </a:r>
-            <a:endParaRPr lang="en-US" altLang="ko-KR" dirty="0"/>
-          </a:p>
-          <a:p>
-            <a:pPr lvl="1"/>
-            <a:r>
-              <a:rPr lang="ko-KR" altLang="en-US" dirty="0" err="1"/>
-              <a:t>프론트엔드</a:t>
-            </a:r>
-            <a:r>
-              <a:rPr lang="ko-KR" altLang="en-US" dirty="0"/>
-              <a:t> 개발</a:t>
-            </a:r>
-            <a:endParaRPr lang="en-US" altLang="ko-KR" dirty="0"/>
+            <a:endParaRPr lang="en-US" altLang="ko-KR" b="1" dirty="0"/>
           </a:p>
         </p:txBody>
       </p:sp>
@@ -4337,25 +4312,26 @@
           <a:p>
             <a:pPr lvl="1"/>
             <a:r>
-              <a:rPr lang="ko-KR" altLang="en-US" dirty="0" err="1"/>
+              <a:rPr lang="ko-KR" altLang="en-US" b="1" dirty="0" err="1"/>
               <a:t>백엔드</a:t>
             </a:r>
             <a:r>
-              <a:rPr lang="ko-KR" altLang="en-US" dirty="0"/>
+              <a:rPr lang="en-US" altLang="ko-KR" b="1" dirty="0"/>
+              <a:t>(</a:t>
+            </a:r>
+            <a:r>
+              <a:rPr lang="en-US" altLang="ko-KR" b="1" dirty="0" err="1"/>
+              <a:t>api</a:t>
+            </a:r>
+            <a:r>
+              <a:rPr lang="en-US" altLang="ko-KR" b="1" dirty="0"/>
+              <a:t>)</a:t>
+            </a:r>
+            <a:r>
+              <a:rPr lang="ko-KR" altLang="en-US" b="1" dirty="0"/>
               <a:t> 개발</a:t>
             </a:r>
-            <a:endParaRPr lang="en-US" altLang="ko-KR" dirty="0"/>
-          </a:p>
-          <a:p>
-            <a:pPr lvl="1"/>
-            <a:r>
-              <a:rPr lang="ko-KR" altLang="en-US" dirty="0" err="1"/>
-              <a:t>프론트엔드</a:t>
-            </a:r>
-            <a:r>
-              <a:rPr lang="ko-KR" altLang="en-US" dirty="0"/>
-              <a:t> 개발</a:t>
-            </a:r>
+            <a:endParaRPr lang="en-US" altLang="ko-KR" b="1" dirty="0"/>
           </a:p>
         </p:txBody>
       </p:sp>
@@ -4422,330 +4398,35 @@
           </a:p>
         </p:txBody>
       </p:sp>
-      <p:sp>
-        <p:nvSpPr>
-          <p:cNvPr id="3" name="내용 개체 틀 2">
-            <a:extLst>
-              <a:ext uri="{FF2B5EF4-FFF2-40B4-BE49-F238E27FC236}">
-                <a16:creationId xmlns:a16="http://schemas.microsoft.com/office/drawing/2014/main" id="{31D55D22-39A7-5CDE-4C47-83A0C756538B}"/>
-              </a:ext>
-            </a:extLst>
-          </p:cNvPr>
-          <p:cNvSpPr>
-            <a:spLocks noGrp="1"/>
-          </p:cNvSpPr>
+      <p:pic>
+        <p:nvPicPr>
+          <p:cNvPr id="12" name="내용 개체 틀 11">
+            <a:extLst>
+              <a:ext uri="{FF2B5EF4-FFF2-40B4-BE49-F238E27FC236}">
+                <a16:creationId xmlns:a16="http://schemas.microsoft.com/office/drawing/2014/main" id="{4F4E0381-23E2-03DA-61D2-DFD2FB3A8677}"/>
+              </a:ext>
+            </a:extLst>
+          </p:cNvPr>
+          <p:cNvPicPr>
+            <a:picLocks noGrp="1" noChangeAspect="1"/>
+          </p:cNvPicPr>
           <p:nvPr>
             <p:ph idx="1"/>
           </p:nvPr>
-        </p:nvSpPr>
+        </p:nvPicPr>
+        <p:blipFill>
+          <a:blip r:embed="rId2"/>
+          <a:stretch>
+            <a:fillRect/>
+          </a:stretch>
+        </p:blipFill>
         <p:spPr>
           <a:xfrm>
-            <a:off x="838200" y="1052051"/>
-            <a:ext cx="10515600" cy="5466735"/>
+            <a:off x="1007179" y="1297858"/>
+            <a:ext cx="9735092" cy="5171768"/>
           </a:xfrm>
         </p:spPr>
-        <p:txBody>
-          <a:bodyPr>
-            <a:normAutofit/>
-          </a:bodyPr>
-          <a:lstStyle/>
-          <a:p>
-            <a:r>
-              <a:rPr lang="ko-KR" altLang="en-US" dirty="0"/>
-              <a:t>방학 </a:t>
-            </a:r>
-            <a:r>
-              <a:rPr lang="en-US" altLang="ko-KR" dirty="0"/>
-              <a:t>: </a:t>
-            </a:r>
-            <a:r>
-              <a:rPr lang="ko-KR" altLang="en-US" dirty="0"/>
-              <a:t>기본적인 웹사이트 디자인 및 개발</a:t>
-            </a:r>
-            <a:endParaRPr lang="en-US" altLang="ko-KR" dirty="0"/>
-          </a:p>
-          <a:p>
-            <a:r>
-              <a:rPr lang="en-US" altLang="ko-KR" dirty="0"/>
-              <a:t>1</a:t>
-            </a:r>
-            <a:r>
-              <a:rPr lang="ko-KR" altLang="en-US" dirty="0"/>
-              <a:t>주차 </a:t>
-            </a:r>
-            <a:r>
-              <a:rPr lang="en-US" altLang="ko-KR" dirty="0"/>
-              <a:t>08/28 (</a:t>
-            </a:r>
-            <a:r>
-              <a:rPr lang="ko-KR" altLang="en-US" dirty="0"/>
-              <a:t>수</a:t>
-            </a:r>
-            <a:r>
-              <a:rPr lang="en-US" altLang="ko-KR" dirty="0"/>
-              <a:t>) </a:t>
-            </a:r>
-            <a:r>
-              <a:rPr lang="ko-KR" altLang="en-US" dirty="0"/>
-              <a:t>이후</a:t>
-            </a:r>
-            <a:r>
-              <a:rPr lang="en-US" altLang="ko-KR" dirty="0"/>
-              <a:t>: </a:t>
-            </a:r>
-            <a:r>
-              <a:rPr lang="ko-KR" altLang="en-US" dirty="0" err="1"/>
-              <a:t>스프링부트</a:t>
-            </a:r>
-            <a:r>
-              <a:rPr lang="ko-KR" altLang="en-US" dirty="0"/>
-              <a:t> 사용방법 학습</a:t>
-            </a:r>
-            <a:r>
-              <a:rPr lang="en-US" altLang="ko-KR" dirty="0"/>
-              <a:t>(</a:t>
-            </a:r>
-            <a:r>
-              <a:rPr lang="ko-KR" altLang="en-US" dirty="0" err="1"/>
-              <a:t>백엔드</a:t>
-            </a:r>
-            <a:r>
-              <a:rPr lang="en-US" altLang="ko-KR" dirty="0"/>
-              <a:t>)</a:t>
-            </a:r>
-          </a:p>
-          <a:p>
-            <a:r>
-              <a:rPr lang="en-US" altLang="ko-KR" dirty="0"/>
-              <a:t>2</a:t>
-            </a:r>
-            <a:r>
-              <a:rPr lang="ko-KR" altLang="en-US" dirty="0"/>
-              <a:t>주차 </a:t>
-            </a:r>
-            <a:r>
-              <a:rPr lang="en-US" altLang="ko-KR" dirty="0"/>
-              <a:t>09/04 (</a:t>
-            </a:r>
-            <a:r>
-              <a:rPr lang="ko-KR" altLang="en-US" dirty="0"/>
-              <a:t>수</a:t>
-            </a:r>
-            <a:r>
-              <a:rPr lang="en-US" altLang="ko-KR" dirty="0"/>
-              <a:t>) </a:t>
-            </a:r>
-            <a:r>
-              <a:rPr lang="ko-KR" altLang="en-US" dirty="0"/>
-              <a:t>이후</a:t>
-            </a:r>
-            <a:r>
-              <a:rPr lang="en-US" altLang="ko-KR" dirty="0"/>
-              <a:t>: </a:t>
-            </a:r>
-            <a:r>
-              <a:rPr lang="ko-KR" altLang="en-US" dirty="0" err="1"/>
-              <a:t>스프링부트</a:t>
-            </a:r>
-            <a:r>
-              <a:rPr lang="ko-KR" altLang="en-US" dirty="0"/>
-              <a:t> 사용방법 학습</a:t>
-            </a:r>
-            <a:r>
-              <a:rPr lang="en-US" altLang="ko-KR" dirty="0"/>
-              <a:t>(</a:t>
-            </a:r>
-            <a:r>
-              <a:rPr lang="ko-KR" altLang="en-US" dirty="0" err="1"/>
-              <a:t>백엔드</a:t>
-            </a:r>
-            <a:r>
-              <a:rPr lang="en-US" altLang="ko-KR" dirty="0"/>
-              <a:t>)</a:t>
-            </a:r>
-          </a:p>
-          <a:p>
-            <a:endParaRPr lang="en-US" altLang="ko-KR" dirty="0"/>
-          </a:p>
-          <a:p>
-            <a:r>
-              <a:rPr lang="en-US" altLang="ko-KR" dirty="0"/>
-              <a:t>3</a:t>
-            </a:r>
-            <a:r>
-              <a:rPr lang="ko-KR" altLang="en-US" dirty="0"/>
-              <a:t>주차 </a:t>
-            </a:r>
-            <a:r>
-              <a:rPr lang="en-US" altLang="ko-KR" dirty="0"/>
-              <a:t>09/11 (</a:t>
-            </a:r>
-            <a:r>
-              <a:rPr lang="ko-KR" altLang="en-US" dirty="0"/>
-              <a:t>수</a:t>
-            </a:r>
-            <a:r>
-              <a:rPr lang="en-US" altLang="ko-KR" dirty="0"/>
-              <a:t>) </a:t>
-            </a:r>
-            <a:r>
-              <a:rPr lang="ko-KR" altLang="en-US" dirty="0"/>
-              <a:t>이후</a:t>
-            </a:r>
-            <a:r>
-              <a:rPr lang="en-US" altLang="ko-KR" dirty="0"/>
-              <a:t>: </a:t>
-            </a:r>
-            <a:r>
-              <a:rPr lang="ko-KR" altLang="en-US" dirty="0"/>
-              <a:t>데이터베이스 개발</a:t>
-            </a:r>
-            <a:r>
-              <a:rPr lang="en-US" altLang="ko-KR" dirty="0"/>
-              <a:t>,</a:t>
-            </a:r>
-          </a:p>
-          <a:p>
-            <a:r>
-              <a:rPr lang="ko-KR" altLang="en-US" dirty="0" err="1"/>
-              <a:t>메인페이지</a:t>
-            </a:r>
-            <a:r>
-              <a:rPr lang="ko-KR" altLang="en-US" dirty="0"/>
-              <a:t> </a:t>
-            </a:r>
-            <a:r>
-              <a:rPr lang="ko-KR" altLang="en-US" dirty="0" err="1"/>
-              <a:t>백엔드개발</a:t>
-            </a:r>
-            <a:r>
-              <a:rPr lang="en-US" altLang="ko-KR" dirty="0"/>
-              <a:t> (DB</a:t>
-            </a:r>
-            <a:r>
-              <a:rPr lang="ko-KR" altLang="en-US" dirty="0"/>
-              <a:t>에서 장소데이터를 불러와 </a:t>
-            </a:r>
-            <a:r>
-              <a:rPr lang="ko-KR" altLang="en-US" dirty="0" err="1"/>
-              <a:t>메인페이지에</a:t>
-            </a:r>
-            <a:r>
-              <a:rPr lang="ko-KR" altLang="en-US" dirty="0"/>
-              <a:t> 표시하고</a:t>
-            </a:r>
-            <a:r>
-              <a:rPr lang="en-US" altLang="ko-KR" dirty="0"/>
-              <a:t>, </a:t>
-            </a:r>
-            <a:r>
-              <a:rPr lang="ko-KR" altLang="en-US" dirty="0"/>
-              <a:t>세부정보를 표 형태로 출력</a:t>
-            </a:r>
-            <a:r>
-              <a:rPr lang="en-US" altLang="ko-KR" dirty="0"/>
-              <a:t>)(</a:t>
-            </a:r>
-            <a:r>
-              <a:rPr lang="ko-KR" altLang="en-US" dirty="0" err="1"/>
-              <a:t>백엔드</a:t>
-            </a:r>
-            <a:r>
-              <a:rPr lang="en-US" altLang="ko-KR" dirty="0"/>
-              <a:t>),</a:t>
-            </a:r>
-          </a:p>
-          <a:p>
-            <a:r>
-              <a:rPr lang="ko-KR" altLang="en-US" dirty="0" err="1"/>
-              <a:t>메인페이지</a:t>
-            </a:r>
-            <a:r>
-              <a:rPr lang="ko-KR" altLang="en-US" dirty="0"/>
-              <a:t> 디자인 개선</a:t>
-            </a:r>
-            <a:r>
-              <a:rPr lang="en-US" altLang="ko-KR" dirty="0"/>
-              <a:t>(</a:t>
-            </a:r>
-            <a:r>
-              <a:rPr lang="ko-KR" altLang="en-US" dirty="0" err="1"/>
-              <a:t>프론트엔드</a:t>
-            </a:r>
-            <a:r>
-              <a:rPr lang="en-US" altLang="ko-KR" dirty="0"/>
-              <a:t>)</a:t>
-            </a:r>
-          </a:p>
-          <a:p>
-            <a:endParaRPr lang="en-US" altLang="ko-KR" dirty="0"/>
-          </a:p>
-          <a:p>
-            <a:r>
-              <a:rPr lang="en-US" altLang="ko-KR" dirty="0"/>
-              <a:t>4</a:t>
-            </a:r>
-            <a:r>
-              <a:rPr lang="ko-KR" altLang="en-US" dirty="0"/>
-              <a:t>주차 </a:t>
-            </a:r>
-            <a:r>
-              <a:rPr lang="en-US" altLang="ko-KR" dirty="0"/>
-              <a:t>09/18 (</a:t>
-            </a:r>
-            <a:r>
-              <a:rPr lang="ko-KR" altLang="en-US" dirty="0"/>
-              <a:t>수</a:t>
-            </a:r>
-            <a:r>
-              <a:rPr lang="en-US" altLang="ko-KR" dirty="0"/>
-              <a:t>) </a:t>
-            </a:r>
-            <a:r>
-              <a:rPr lang="ko-KR" altLang="en-US" dirty="0"/>
-              <a:t>이후</a:t>
-            </a:r>
-            <a:r>
-              <a:rPr lang="en-US" altLang="ko-KR" dirty="0"/>
-              <a:t>: </a:t>
-            </a:r>
-            <a:r>
-              <a:rPr lang="ko-KR" altLang="en-US" dirty="0"/>
-              <a:t>시설물 추가요청 기능개발</a:t>
-            </a:r>
-            <a:r>
-              <a:rPr lang="en-US" altLang="ko-KR" dirty="0"/>
-              <a:t>(</a:t>
-            </a:r>
-            <a:r>
-              <a:rPr lang="ko-KR" altLang="en-US" dirty="0" err="1"/>
-              <a:t>백엔드</a:t>
-            </a:r>
-            <a:r>
-              <a:rPr lang="en-US" altLang="ko-KR" dirty="0"/>
-              <a:t>)</a:t>
-            </a:r>
-          </a:p>
-          <a:p>
-            <a:r>
-              <a:rPr lang="ko-KR" altLang="en-US" dirty="0"/>
-              <a:t>해당 페이지 디자인 개선</a:t>
-            </a:r>
-            <a:r>
-              <a:rPr lang="en-US" altLang="ko-KR" dirty="0"/>
-              <a:t>(</a:t>
-            </a:r>
-            <a:r>
-              <a:rPr lang="ko-KR" altLang="en-US" dirty="0" err="1"/>
-              <a:t>프론트엔드</a:t>
-            </a:r>
-            <a:r>
-              <a:rPr lang="en-US" altLang="ko-KR" dirty="0"/>
-              <a:t>)</a:t>
-            </a:r>
-          </a:p>
-        </p:txBody>
-      </p:sp>
+      </p:pic>
     </p:spTree>
     <p:extLst>
       <p:ext uri="{BB962C8B-B14F-4D97-AF65-F5344CB8AC3E}">
@@ -4809,181 +4490,130 @@
           </a:p>
         </p:txBody>
       </p:sp>
-      <p:sp>
-        <p:nvSpPr>
-          <p:cNvPr id="3" name="내용 개체 틀 2">
-            <a:extLst>
-              <a:ext uri="{FF2B5EF4-FFF2-40B4-BE49-F238E27FC236}">
-                <a16:creationId xmlns:a16="http://schemas.microsoft.com/office/drawing/2014/main" id="{312C478B-FF3F-031C-AD93-096CE6B009B3}"/>
-              </a:ext>
-            </a:extLst>
-          </p:cNvPr>
-          <p:cNvSpPr>
-            <a:spLocks noGrp="1"/>
-          </p:cNvSpPr>
+      <p:pic>
+        <p:nvPicPr>
+          <p:cNvPr id="12" name="내용 개체 틀 11">
+            <a:extLst>
+              <a:ext uri="{FF2B5EF4-FFF2-40B4-BE49-F238E27FC236}">
+                <a16:creationId xmlns:a16="http://schemas.microsoft.com/office/drawing/2014/main" id="{3C2A9416-EDA2-6B54-BFF0-8C2E4EA7E347}"/>
+              </a:ext>
+            </a:extLst>
+          </p:cNvPr>
+          <p:cNvPicPr>
+            <a:picLocks noGrp="1" noChangeAspect="1"/>
+          </p:cNvPicPr>
           <p:nvPr>
             <p:ph idx="1"/>
           </p:nvPr>
-        </p:nvSpPr>
+        </p:nvPicPr>
+        <p:blipFill>
+          <a:blip r:embed="rId2"/>
+          <a:stretch>
+            <a:fillRect/>
+          </a:stretch>
+        </p:blipFill>
         <p:spPr>
           <a:xfrm>
-            <a:off x="471948" y="1652635"/>
-            <a:ext cx="6408174" cy="4512191"/>
+            <a:off x="1536763" y="1061884"/>
+            <a:ext cx="8089018" cy="5300318"/>
           </a:xfrm>
         </p:spPr>
-        <p:txBody>
-          <a:bodyPr>
-            <a:normAutofit/>
-          </a:bodyPr>
-          <a:lstStyle/>
-          <a:p>
-            <a:r>
-              <a:rPr lang="en-US" altLang="ko-KR" dirty="0"/>
-              <a:t>5</a:t>
-            </a:r>
+      </p:pic>
+    </p:spTree>
+    <p:extLst>
+      <p:ext uri="{BB962C8B-B14F-4D97-AF65-F5344CB8AC3E}">
+        <p14:creationId xmlns:p14="http://schemas.microsoft.com/office/powerpoint/2010/main" val="2163062822"/>
+      </p:ext>
+    </p:extLst>
+  </p:cSld>
+  <p:clrMapOvr>
+    <a:masterClrMapping/>
+  </p:clrMapOvr>
+</p:sld>
+</file>
+
+<file path=ppt/slides/slide5.xml><?xml version="1.0" encoding="utf-8"?>
+<p:sld xmlns:a="http://schemas.openxmlformats.org/drawingml/2006/main" xmlns:r="http://schemas.openxmlformats.org/officeDocument/2006/relationships" xmlns:p="http://schemas.openxmlformats.org/presentationml/2006/main">
+  <p:cSld>
+    <p:spTree>
+      <p:nvGrpSpPr>
+        <p:cNvPr id="1" name=""/>
+        <p:cNvGrpSpPr/>
+        <p:nvPr/>
+      </p:nvGrpSpPr>
+      <p:grpSpPr>
+        <a:xfrm>
+          <a:off x="0" y="0"/>
+          <a:ext cx="0" cy="0"/>
+          <a:chOff x="0" y="0"/>
+          <a:chExt cx="0" cy="0"/>
+        </a:xfrm>
+      </p:grpSpPr>
+      <p:sp>
+        <p:nvSpPr>
+          <p:cNvPr id="2" name="제목 1">
+            <a:extLst>
+              <a:ext uri="{FF2B5EF4-FFF2-40B4-BE49-F238E27FC236}">
+                <a16:creationId xmlns:a16="http://schemas.microsoft.com/office/drawing/2014/main" id="{40AD6429-96AB-D00B-F9CD-BC9FE37CE9F6}"/>
+              </a:ext>
+            </a:extLst>
+          </p:cNvPr>
+          <p:cNvSpPr>
+            <a:spLocks noGrp="1"/>
+          </p:cNvSpPr>
+          <p:nvPr>
+            <p:ph type="title"/>
+          </p:nvPr>
+        </p:nvSpPr>
+        <p:spPr>
+          <a:xfrm>
+            <a:off x="838200" y="138982"/>
+            <a:ext cx="10515600" cy="854075"/>
+          </a:xfrm>
+        </p:spPr>
+        <p:txBody>
+          <a:bodyPr/>
+          <a:lstStyle/>
+          <a:p>
             <a:r>
               <a:rPr lang="ko-KR" altLang="en-US" dirty="0"/>
-              <a:t>주차 </a:t>
-            </a:r>
-            <a:r>
-              <a:rPr lang="en-US" altLang="ko-KR" dirty="0"/>
-              <a:t>09/25 (</a:t>
-            </a:r>
-            <a:r>
-              <a:rPr lang="ko-KR" altLang="en-US" dirty="0"/>
-              <a:t>수</a:t>
-            </a:r>
-            <a:r>
-              <a:rPr lang="en-US" altLang="ko-KR" dirty="0"/>
-              <a:t>) </a:t>
-            </a:r>
-            <a:r>
-              <a:rPr lang="ko-KR" altLang="en-US" dirty="0"/>
-              <a:t>이후</a:t>
-            </a:r>
-            <a:r>
-              <a:rPr lang="en-US" altLang="ko-KR" dirty="0"/>
-              <a:t>: </a:t>
-            </a:r>
-            <a:r>
-              <a:rPr lang="ko-KR" altLang="en-US" dirty="0"/>
-              <a:t>시설물 정보수정요청 기능개발</a:t>
-            </a:r>
-            <a:r>
-              <a:rPr lang="en-US" altLang="ko-KR" dirty="0"/>
-              <a:t>(</a:t>
-            </a:r>
-            <a:r>
-              <a:rPr lang="ko-KR" altLang="en-US" dirty="0" err="1"/>
-              <a:t>백엔드</a:t>
-            </a:r>
-            <a:r>
-              <a:rPr lang="en-US" altLang="ko-KR" dirty="0"/>
-              <a:t>)</a:t>
-            </a:r>
-          </a:p>
-          <a:p>
-            <a:r>
-              <a:rPr lang="ko-KR" altLang="en-US" dirty="0"/>
-              <a:t>해당 페이지 디자인 개선</a:t>
-            </a:r>
-            <a:r>
-              <a:rPr lang="en-US" altLang="ko-KR" dirty="0"/>
-              <a:t>(</a:t>
-            </a:r>
-            <a:r>
-              <a:rPr lang="ko-KR" altLang="en-US" dirty="0" err="1"/>
-              <a:t>프론트엔드</a:t>
-            </a:r>
-            <a:r>
-              <a:rPr lang="en-US" altLang="ko-KR" dirty="0"/>
-              <a:t>)</a:t>
-            </a:r>
-          </a:p>
-          <a:p>
-            <a:endParaRPr lang="en-US" altLang="ko-KR" dirty="0"/>
-          </a:p>
-          <a:p>
-            <a:endParaRPr lang="en-US" altLang="ko-KR" dirty="0"/>
-          </a:p>
-          <a:p>
-            <a:r>
-              <a:rPr lang="en-US" altLang="ko-KR" dirty="0"/>
-              <a:t>6</a:t>
-            </a:r>
-            <a:r>
-              <a:rPr lang="ko-KR" altLang="en-US" dirty="0"/>
-              <a:t>주차 </a:t>
-            </a:r>
-            <a:r>
-              <a:rPr lang="en-US" altLang="ko-KR" dirty="0"/>
-              <a:t>10/02 (</a:t>
-            </a:r>
-            <a:r>
-              <a:rPr lang="ko-KR" altLang="en-US" dirty="0"/>
-              <a:t>수</a:t>
-            </a:r>
-            <a:r>
-              <a:rPr lang="en-US" altLang="ko-KR" dirty="0"/>
-              <a:t>)</a:t>
-            </a:r>
-            <a:r>
-              <a:rPr lang="ko-KR" altLang="en-US" dirty="0"/>
-              <a:t> 이후</a:t>
-            </a:r>
-            <a:r>
-              <a:rPr lang="en-US" altLang="ko-KR" dirty="0"/>
-              <a:t>: (</a:t>
-            </a:r>
-            <a:r>
-              <a:rPr lang="ko-KR" altLang="en-US" dirty="0"/>
-              <a:t>추가기능</a:t>
-            </a:r>
-            <a:r>
-              <a:rPr lang="en-US" altLang="ko-KR" dirty="0"/>
-              <a:t>) </a:t>
-            </a:r>
-            <a:r>
-              <a:rPr lang="ko-KR" altLang="en-US" dirty="0"/>
-              <a:t>새로운 시설물 설치요청 기능개발</a:t>
-            </a:r>
-            <a:r>
-              <a:rPr lang="en-US" altLang="ko-KR" dirty="0"/>
-              <a:t>(</a:t>
-            </a:r>
-            <a:r>
-              <a:rPr lang="ko-KR" altLang="en-US" dirty="0" err="1"/>
-              <a:t>백엔드</a:t>
-            </a:r>
-            <a:r>
-              <a:rPr lang="en-US" altLang="ko-KR" dirty="0"/>
-              <a:t>)</a:t>
-            </a:r>
-          </a:p>
-          <a:p>
-            <a:r>
-              <a:rPr lang="ko-KR" altLang="en-US" dirty="0"/>
-              <a:t>해당 페이지 디자인 개선</a:t>
-            </a:r>
-            <a:r>
-              <a:rPr lang="en-US" altLang="ko-KR" dirty="0"/>
-              <a:t>(</a:t>
-            </a:r>
-            <a:r>
-              <a:rPr lang="ko-KR" altLang="en-US" dirty="0" err="1"/>
-              <a:t>프론트엔드</a:t>
-            </a:r>
-            <a:r>
-              <a:rPr lang="en-US" altLang="ko-KR" dirty="0"/>
-              <a:t>)</a:t>
-            </a:r>
-            <a:endParaRPr lang="en-US" altLang="ko-KR" sz="1100" dirty="0"/>
+              <a:t>주별 개발 일정</a:t>
+            </a:r>
           </a:p>
         </p:txBody>
       </p:sp>
       <p:pic>
         <p:nvPicPr>
-          <p:cNvPr id="5" name="그림 4" descr="텍스트, 친필, 영수증이(가) 표시된 사진&#10;&#10;자동 생성된 설명">
+          <p:cNvPr id="14" name="내용 개체 틀 13">
+            <a:extLst>
+              <a:ext uri="{FF2B5EF4-FFF2-40B4-BE49-F238E27FC236}">
+                <a16:creationId xmlns:a16="http://schemas.microsoft.com/office/drawing/2014/main" id="{FCE06816-E8C1-64D5-2948-CBE6078CEF27}"/>
+              </a:ext>
+            </a:extLst>
+          </p:cNvPr>
+          <p:cNvPicPr>
+            <a:picLocks noGrp="1" noChangeAspect="1"/>
+          </p:cNvPicPr>
+          <p:nvPr>
+            <p:ph idx="1"/>
+          </p:nvPr>
+        </p:nvPicPr>
+        <p:blipFill>
+          <a:blip r:embed="rId2"/>
+          <a:stretch>
+            <a:fillRect/>
+          </a:stretch>
+        </p:blipFill>
+        <p:spPr>
+          <a:xfrm>
+            <a:off x="124821" y="1348912"/>
+            <a:ext cx="6969806" cy="4599603"/>
+          </a:xfrm>
+        </p:spPr>
+      </p:pic>
+      <p:pic>
+        <p:nvPicPr>
+          <p:cNvPr id="10" name="그림 9" descr="텍스트, 친필, 영수증이(가) 표시된 사진&#10;&#10;자동 생성된 설명">
             <a:extLst>
               <a:ext uri="{FF2B5EF4-FFF2-40B4-BE49-F238E27FC236}">
                 <a16:creationId xmlns:a16="http://schemas.microsoft.com/office/drawing/2014/main" id="{04108444-FA86-291E-9A98-14BB28DD6A23}"/>
@@ -4996,7 +4626,7 @@
           <p:nvPr/>
         </p:nvPicPr>
         <p:blipFill>
-          <a:blip r:embed="rId2">
+          <a:blip r:embed="rId3">
             <a:extLst>
               <a:ext uri="{28A0092B-C50C-407E-A947-70E740481C1C}">
                 <a14:useLocalDpi xmlns:a14="http://schemas.microsoft.com/office/drawing/2010/main" val="0"/>
@@ -5018,7 +4648,7 @@
       </p:pic>
       <p:sp>
         <p:nvSpPr>
-          <p:cNvPr id="7" name="직사각형 6">
+          <p:cNvPr id="11" name="직사각형 10">
             <a:extLst>
               <a:ext uri="{FF2B5EF4-FFF2-40B4-BE49-F238E27FC236}">
                 <a16:creationId xmlns:a16="http://schemas.microsoft.com/office/drawing/2014/main" id="{A4EBAF94-E1A9-EFBE-A4BA-8C771B8A4F29}"/>
@@ -5070,7 +4700,7 @@
       </p:sp>
       <p:sp>
         <p:nvSpPr>
-          <p:cNvPr id="8" name="TextBox 7">
+          <p:cNvPr id="12" name="TextBox 11">
             <a:extLst>
               <a:ext uri="{FF2B5EF4-FFF2-40B4-BE49-F238E27FC236}">
                 <a16:creationId xmlns:a16="http://schemas.microsoft.com/office/drawing/2014/main" id="{C16F6466-9A1F-D246-F0CA-B4A0B74226B0}"/>
@@ -5117,336 +4747,6 @@
                 <a:srgbClr val="FF0000"/>
               </a:solidFill>
             </a:endParaRPr>
-          </a:p>
-        </p:txBody>
-      </p:sp>
-    </p:spTree>
-    <p:extLst>
-      <p:ext uri="{BB962C8B-B14F-4D97-AF65-F5344CB8AC3E}">
-        <p14:creationId xmlns:p14="http://schemas.microsoft.com/office/powerpoint/2010/main" val="2163062822"/>
-      </p:ext>
-    </p:extLst>
-  </p:cSld>
-  <p:clrMapOvr>
-    <a:masterClrMapping/>
-  </p:clrMapOvr>
-</p:sld>
-</file>
-
-<file path=ppt/slides/slide5.xml><?xml version="1.0" encoding="utf-8"?>
-<p:sld xmlns:a="http://schemas.openxmlformats.org/drawingml/2006/main" xmlns:r="http://schemas.openxmlformats.org/officeDocument/2006/relationships" xmlns:p="http://schemas.openxmlformats.org/presentationml/2006/main">
-  <p:cSld>
-    <p:spTree>
-      <p:nvGrpSpPr>
-        <p:cNvPr id="1" name=""/>
-        <p:cNvGrpSpPr/>
-        <p:nvPr/>
-      </p:nvGrpSpPr>
-      <p:grpSpPr>
-        <a:xfrm>
-          <a:off x="0" y="0"/>
-          <a:ext cx="0" cy="0"/>
-          <a:chOff x="0" y="0"/>
-          <a:chExt cx="0" cy="0"/>
-        </a:xfrm>
-      </p:grpSpPr>
-      <p:sp>
-        <p:nvSpPr>
-          <p:cNvPr id="2" name="제목 1">
-            <a:extLst>
-              <a:ext uri="{FF2B5EF4-FFF2-40B4-BE49-F238E27FC236}">
-                <a16:creationId xmlns:a16="http://schemas.microsoft.com/office/drawing/2014/main" id="{40AD6429-96AB-D00B-F9CD-BC9FE37CE9F6}"/>
-              </a:ext>
-            </a:extLst>
-          </p:cNvPr>
-          <p:cNvSpPr>
-            <a:spLocks noGrp="1"/>
-          </p:cNvSpPr>
-          <p:nvPr>
-            <p:ph type="title"/>
-          </p:nvPr>
-        </p:nvSpPr>
-        <p:spPr>
-          <a:xfrm>
-            <a:off x="838200" y="138982"/>
-            <a:ext cx="10515600" cy="854075"/>
-          </a:xfrm>
-        </p:spPr>
-        <p:txBody>
-          <a:bodyPr/>
-          <a:lstStyle/>
-          <a:p>
-            <a:r>
-              <a:rPr lang="ko-KR" altLang="en-US" dirty="0"/>
-              <a:t>주별 개발 일정</a:t>
-            </a:r>
-          </a:p>
-        </p:txBody>
-      </p:sp>
-      <p:sp>
-        <p:nvSpPr>
-          <p:cNvPr id="3" name="내용 개체 틀 2">
-            <a:extLst>
-              <a:ext uri="{FF2B5EF4-FFF2-40B4-BE49-F238E27FC236}">
-                <a16:creationId xmlns:a16="http://schemas.microsoft.com/office/drawing/2014/main" id="{5C004757-46ED-2922-C100-47A9C9C82208}"/>
-              </a:ext>
-            </a:extLst>
-          </p:cNvPr>
-          <p:cNvSpPr>
-            <a:spLocks noGrp="1"/>
-          </p:cNvSpPr>
-          <p:nvPr>
-            <p:ph idx="1"/>
-          </p:nvPr>
-        </p:nvSpPr>
-        <p:spPr>
-          <a:xfrm>
-            <a:off x="838200" y="993057"/>
-            <a:ext cx="10515600" cy="5751872"/>
-          </a:xfrm>
-        </p:spPr>
-        <p:txBody>
-          <a:bodyPr>
-            <a:normAutofit/>
-          </a:bodyPr>
-          <a:lstStyle/>
-          <a:p>
-            <a:r>
-              <a:rPr lang="en-US" altLang="ko-KR" dirty="0"/>
-              <a:t>7</a:t>
-            </a:r>
-            <a:r>
-              <a:rPr lang="ko-KR" altLang="en-US" dirty="0"/>
-              <a:t>주차 </a:t>
-            </a:r>
-            <a:r>
-              <a:rPr lang="en-US" altLang="ko-KR" dirty="0"/>
-              <a:t>10/09 (</a:t>
-            </a:r>
-            <a:r>
-              <a:rPr lang="ko-KR" altLang="en-US" dirty="0"/>
-              <a:t>수</a:t>
-            </a:r>
-            <a:r>
-              <a:rPr lang="en-US" altLang="ko-KR" dirty="0"/>
-              <a:t>)</a:t>
-            </a:r>
-            <a:r>
-              <a:rPr lang="ko-KR" altLang="en-US" dirty="0"/>
-              <a:t> 이후</a:t>
-            </a:r>
-            <a:r>
-              <a:rPr lang="en-US" altLang="ko-KR" dirty="0"/>
-              <a:t>: </a:t>
-            </a:r>
-            <a:r>
-              <a:rPr lang="ko-KR" altLang="en-US" dirty="0"/>
-              <a:t>관리자 페이지 기능개발 </a:t>
-            </a:r>
-            <a:r>
-              <a:rPr lang="en-US" altLang="ko-KR" dirty="0"/>
-              <a:t>– </a:t>
-            </a:r>
-            <a:r>
-              <a:rPr lang="ko-KR" altLang="en-US" dirty="0"/>
-              <a:t>정보추가요청 승인기능</a:t>
-            </a:r>
-            <a:r>
-              <a:rPr lang="en-US" altLang="ko-KR" dirty="0"/>
-              <a:t>(</a:t>
-            </a:r>
-            <a:r>
-              <a:rPr lang="ko-KR" altLang="en-US" dirty="0" err="1"/>
-              <a:t>백엔드</a:t>
-            </a:r>
-            <a:r>
-              <a:rPr lang="en-US" altLang="ko-KR" dirty="0"/>
-              <a:t>)</a:t>
-            </a:r>
-          </a:p>
-          <a:p>
-            <a:r>
-              <a:rPr lang="ko-KR" altLang="en-US" dirty="0"/>
-              <a:t>해당 페이지 디자인 개선</a:t>
-            </a:r>
-            <a:r>
-              <a:rPr lang="en-US" altLang="ko-KR" dirty="0"/>
-              <a:t>(</a:t>
-            </a:r>
-            <a:r>
-              <a:rPr lang="ko-KR" altLang="en-US" dirty="0" err="1"/>
-              <a:t>프론트엔드</a:t>
-            </a:r>
-            <a:r>
-              <a:rPr lang="en-US" altLang="ko-KR" dirty="0"/>
-              <a:t>)</a:t>
-            </a:r>
-          </a:p>
-          <a:p>
-            <a:endParaRPr lang="en-US" altLang="ko-KR" dirty="0"/>
-          </a:p>
-          <a:p>
-            <a:r>
-              <a:rPr lang="en-US" altLang="ko-KR" dirty="0"/>
-              <a:t>8</a:t>
-            </a:r>
-            <a:r>
-              <a:rPr lang="ko-KR" altLang="en-US" dirty="0"/>
-              <a:t>주차 </a:t>
-            </a:r>
-            <a:r>
-              <a:rPr lang="en-US" altLang="ko-KR" dirty="0"/>
-              <a:t>10/16 (</a:t>
-            </a:r>
-            <a:r>
-              <a:rPr lang="ko-KR" altLang="en-US" dirty="0"/>
-              <a:t>수</a:t>
-            </a:r>
-            <a:r>
-              <a:rPr lang="en-US" altLang="ko-KR" dirty="0"/>
-              <a:t>)</a:t>
-            </a:r>
-            <a:r>
-              <a:rPr lang="ko-KR" altLang="en-US" dirty="0"/>
-              <a:t> 이후</a:t>
-            </a:r>
-            <a:r>
-              <a:rPr lang="en-US" altLang="ko-KR" dirty="0"/>
-              <a:t>: </a:t>
-            </a:r>
-            <a:r>
-              <a:rPr lang="ko-KR" altLang="en-US" dirty="0"/>
-              <a:t>관리자 페이지 기능개발 </a:t>
-            </a:r>
-            <a:r>
-              <a:rPr lang="en-US" altLang="ko-KR" dirty="0"/>
-              <a:t>– </a:t>
-            </a:r>
-            <a:r>
-              <a:rPr lang="ko-KR" altLang="en-US" dirty="0"/>
-              <a:t>정보수정요청 승인기능</a:t>
-            </a:r>
-            <a:r>
-              <a:rPr lang="en-US" altLang="ko-KR" dirty="0"/>
-              <a:t>, (</a:t>
-            </a:r>
-            <a:r>
-              <a:rPr lang="ko-KR" altLang="en-US" dirty="0"/>
-              <a:t>추가기능</a:t>
-            </a:r>
-            <a:r>
-              <a:rPr lang="en-US" altLang="ko-KR" dirty="0"/>
-              <a:t>)</a:t>
-            </a:r>
-            <a:r>
-              <a:rPr lang="ko-KR" altLang="en-US" dirty="0"/>
-              <a:t>시설물번호로 관리자가 직접 정보 수정을 할 수 있도록 하는 기능</a:t>
-            </a:r>
-            <a:r>
-              <a:rPr lang="en-US" altLang="ko-KR" dirty="0"/>
-              <a:t>(</a:t>
-            </a:r>
-            <a:r>
-              <a:rPr lang="ko-KR" altLang="en-US" dirty="0" err="1"/>
-              <a:t>백엔드</a:t>
-            </a:r>
-            <a:r>
-              <a:rPr lang="en-US" altLang="ko-KR" dirty="0"/>
-              <a:t>)</a:t>
-            </a:r>
-          </a:p>
-          <a:p>
-            <a:r>
-              <a:rPr lang="ko-KR" altLang="en-US" dirty="0"/>
-              <a:t>해당 페이지 디자인 개선</a:t>
-            </a:r>
-            <a:r>
-              <a:rPr lang="en-US" altLang="ko-KR" dirty="0"/>
-              <a:t>(</a:t>
-            </a:r>
-            <a:r>
-              <a:rPr lang="ko-KR" altLang="en-US" dirty="0" err="1"/>
-              <a:t>프론트엔드</a:t>
-            </a:r>
-            <a:r>
-              <a:rPr lang="en-US" altLang="ko-KR" dirty="0"/>
-              <a:t>)</a:t>
-            </a:r>
-          </a:p>
-          <a:p>
-            <a:endParaRPr lang="en-US" altLang="ko-KR" dirty="0"/>
-          </a:p>
-          <a:p>
-            <a:r>
-              <a:rPr lang="en-US" altLang="ko-KR" dirty="0"/>
-              <a:t>9</a:t>
-            </a:r>
-            <a:r>
-              <a:rPr lang="ko-KR" altLang="en-US" dirty="0"/>
-              <a:t>주차 </a:t>
-            </a:r>
-            <a:r>
-              <a:rPr lang="en-US" altLang="ko-KR" dirty="0"/>
-              <a:t>10/23 (</a:t>
-            </a:r>
-            <a:r>
-              <a:rPr lang="ko-KR" altLang="en-US" dirty="0"/>
-              <a:t>수</a:t>
-            </a:r>
-            <a:r>
-              <a:rPr lang="en-US" altLang="ko-KR" dirty="0"/>
-              <a:t>)</a:t>
-            </a:r>
-            <a:r>
-              <a:rPr lang="ko-KR" altLang="en-US" dirty="0"/>
-              <a:t> 이후</a:t>
-            </a:r>
-            <a:r>
-              <a:rPr lang="en-US" altLang="ko-KR" dirty="0"/>
-              <a:t>: (</a:t>
-            </a:r>
-            <a:r>
-              <a:rPr lang="ko-KR" altLang="en-US" dirty="0"/>
-              <a:t>추가기능</a:t>
-            </a:r>
-            <a:r>
-              <a:rPr lang="en-US" altLang="ko-KR" dirty="0"/>
-              <a:t>)</a:t>
-            </a:r>
-            <a:r>
-              <a:rPr lang="ko-KR" altLang="en-US" dirty="0"/>
-              <a:t>관리자 페이지 기능개발 </a:t>
-            </a:r>
-            <a:r>
-              <a:rPr lang="en-US" altLang="ko-KR" dirty="0"/>
-              <a:t>– </a:t>
-            </a:r>
-            <a:r>
-              <a:rPr lang="ko-KR" altLang="en-US" dirty="0"/>
-              <a:t>관리자 추가 및 관리기능</a:t>
-            </a:r>
-            <a:endParaRPr lang="en-US" altLang="ko-KR" dirty="0"/>
-          </a:p>
-          <a:p>
-            <a:r>
-              <a:rPr lang="ko-KR" altLang="en-US" dirty="0"/>
-              <a:t>해당 페이지 디자인 개선</a:t>
-            </a:r>
-            <a:r>
-              <a:rPr lang="en-US" altLang="ko-KR" dirty="0"/>
-              <a:t>(</a:t>
-            </a:r>
-            <a:r>
-              <a:rPr lang="ko-KR" altLang="en-US" dirty="0" err="1"/>
-              <a:t>프론트엔드</a:t>
-            </a:r>
-            <a:r>
-              <a:rPr lang="en-US" altLang="ko-KR" dirty="0"/>
-              <a:t>)</a:t>
-            </a:r>
-          </a:p>
-          <a:p>
-            <a:endParaRPr lang="en-US" altLang="ko-KR" dirty="0"/>
           </a:p>
         </p:txBody>
       </p:sp>
@@ -5513,247 +4813,35 @@
           </a:p>
         </p:txBody>
       </p:sp>
-      <p:sp>
-        <p:nvSpPr>
-          <p:cNvPr id="3" name="내용 개체 틀 2">
-            <a:extLst>
-              <a:ext uri="{FF2B5EF4-FFF2-40B4-BE49-F238E27FC236}">
-                <a16:creationId xmlns:a16="http://schemas.microsoft.com/office/drawing/2014/main" id="{D081CF53-55A5-E97B-68FE-8312930FC43E}"/>
-              </a:ext>
-            </a:extLst>
-          </p:cNvPr>
-          <p:cNvSpPr>
-            <a:spLocks noGrp="1"/>
-          </p:cNvSpPr>
+      <p:pic>
+        <p:nvPicPr>
+          <p:cNvPr id="9" name="내용 개체 틀 8">
+            <a:extLst>
+              <a:ext uri="{FF2B5EF4-FFF2-40B4-BE49-F238E27FC236}">
+                <a16:creationId xmlns:a16="http://schemas.microsoft.com/office/drawing/2014/main" id="{1C6ACDB2-0A25-D678-9E1B-A8BCE99C11ED}"/>
+              </a:ext>
+            </a:extLst>
+          </p:cNvPr>
+          <p:cNvPicPr>
+            <a:picLocks noGrp="1" noChangeAspect="1"/>
+          </p:cNvPicPr>
           <p:nvPr>
             <p:ph idx="1"/>
           </p:nvPr>
-        </p:nvSpPr>
+        </p:nvPicPr>
+        <p:blipFill>
+          <a:blip r:embed="rId2"/>
+          <a:stretch>
+            <a:fillRect/>
+          </a:stretch>
+        </p:blipFill>
         <p:spPr>
           <a:xfrm>
-            <a:off x="838200" y="1474838"/>
-            <a:ext cx="10515600" cy="4916129"/>
+            <a:off x="1851934" y="1128140"/>
+            <a:ext cx="7773846" cy="5364734"/>
           </a:xfrm>
         </p:spPr>
-        <p:txBody>
-          <a:bodyPr>
-            <a:normAutofit/>
-          </a:bodyPr>
-          <a:lstStyle/>
-          <a:p>
-            <a:r>
-              <a:rPr lang="en-US" altLang="ko-KR" dirty="0"/>
-              <a:t>10</a:t>
-            </a:r>
-            <a:r>
-              <a:rPr lang="ko-KR" altLang="en-US" dirty="0"/>
-              <a:t>주차 </a:t>
-            </a:r>
-            <a:r>
-              <a:rPr lang="en-US" altLang="ko-KR" dirty="0"/>
-              <a:t>10/30 (</a:t>
-            </a:r>
-            <a:r>
-              <a:rPr lang="ko-KR" altLang="en-US" dirty="0"/>
-              <a:t>수</a:t>
-            </a:r>
-            <a:r>
-              <a:rPr lang="en-US" altLang="ko-KR" dirty="0"/>
-              <a:t>)</a:t>
-            </a:r>
-            <a:r>
-              <a:rPr lang="ko-KR" altLang="en-US" dirty="0"/>
-              <a:t> </a:t>
-            </a:r>
-            <a:r>
-              <a:rPr lang="en-US" altLang="ko-KR" dirty="0"/>
-              <a:t>:</a:t>
-            </a:r>
-            <a:r>
-              <a:rPr lang="ko-KR" altLang="en-US" dirty="0"/>
-              <a:t> 중간점검</a:t>
-            </a:r>
-            <a:endParaRPr lang="en-US" altLang="ko-KR" dirty="0"/>
-          </a:p>
-          <a:p>
-            <a:r>
-              <a:rPr lang="ko-KR" altLang="en-US" dirty="0"/>
-              <a:t>이후 </a:t>
-            </a:r>
-            <a:r>
-              <a:rPr lang="en-US" altLang="ko-KR" dirty="0"/>
-              <a:t>:  </a:t>
-            </a:r>
-            <a:r>
-              <a:rPr lang="ko-KR" altLang="en-US" dirty="0"/>
-              <a:t>웹서버 직접 돌려보기</a:t>
-            </a:r>
-          </a:p>
-          <a:p>
-            <a:endParaRPr lang="en-US" altLang="ko-KR" dirty="0"/>
-          </a:p>
-          <a:p>
-            <a:r>
-              <a:rPr lang="en-US" altLang="ko-KR" dirty="0"/>
-              <a:t>11</a:t>
-            </a:r>
-            <a:r>
-              <a:rPr lang="ko-KR" altLang="en-US" dirty="0"/>
-              <a:t>주차 </a:t>
-            </a:r>
-            <a:r>
-              <a:rPr lang="en-US" altLang="ko-KR" dirty="0"/>
-              <a:t>11/06 (</a:t>
-            </a:r>
-            <a:r>
-              <a:rPr lang="ko-KR" altLang="en-US" dirty="0"/>
-              <a:t>수</a:t>
-            </a:r>
-            <a:r>
-              <a:rPr lang="en-US" altLang="ko-KR" dirty="0"/>
-              <a:t>)</a:t>
-            </a:r>
-            <a:r>
-              <a:rPr lang="ko-KR" altLang="en-US" dirty="0"/>
-              <a:t> 이후</a:t>
-            </a:r>
-            <a:r>
-              <a:rPr lang="en-US" altLang="ko-KR" dirty="0"/>
-              <a:t>: </a:t>
-            </a:r>
-            <a:r>
-              <a:rPr lang="ko-KR" altLang="en-US" dirty="0"/>
-              <a:t>웹사이트 문제점 수정</a:t>
-            </a:r>
-            <a:endParaRPr lang="en-US" altLang="ko-KR" dirty="0"/>
-          </a:p>
-          <a:p>
-            <a:r>
-              <a:rPr lang="en-US" altLang="ko-KR" dirty="0"/>
-              <a:t>12</a:t>
-            </a:r>
-            <a:r>
-              <a:rPr lang="ko-KR" altLang="en-US" dirty="0"/>
-              <a:t>주차 </a:t>
-            </a:r>
-            <a:r>
-              <a:rPr lang="en-US" altLang="ko-KR" dirty="0"/>
-              <a:t>11/13 (</a:t>
-            </a:r>
-            <a:r>
-              <a:rPr lang="ko-KR" altLang="en-US" dirty="0"/>
-              <a:t>수</a:t>
-            </a:r>
-            <a:r>
-              <a:rPr lang="en-US" altLang="ko-KR" dirty="0"/>
-              <a:t>)</a:t>
-            </a:r>
-            <a:r>
-              <a:rPr lang="ko-KR" altLang="en-US" dirty="0"/>
-              <a:t> 이후</a:t>
-            </a:r>
-            <a:r>
-              <a:rPr lang="en-US" altLang="ko-KR" dirty="0"/>
-              <a:t>: </a:t>
-            </a:r>
-            <a:r>
-              <a:rPr lang="ko-KR" altLang="en-US" dirty="0"/>
-              <a:t>웹사이트 문제점 수정</a:t>
-            </a:r>
-            <a:r>
-              <a:rPr lang="en-US" altLang="ko-KR" dirty="0"/>
-              <a:t>, </a:t>
-            </a:r>
-            <a:r>
-              <a:rPr lang="ko-KR" altLang="en-US" dirty="0"/>
-              <a:t>전시회 준비</a:t>
-            </a:r>
-            <a:endParaRPr lang="en-US" altLang="ko-KR" dirty="0"/>
-          </a:p>
-          <a:p>
-            <a:r>
-              <a:rPr lang="en-US" altLang="ko-KR" dirty="0"/>
-              <a:t>13</a:t>
-            </a:r>
-            <a:r>
-              <a:rPr lang="ko-KR" altLang="en-US" dirty="0"/>
-              <a:t>주차 </a:t>
-            </a:r>
-            <a:r>
-              <a:rPr lang="en-US" altLang="ko-KR" dirty="0"/>
-              <a:t>11/20 (</a:t>
-            </a:r>
-            <a:r>
-              <a:rPr lang="ko-KR" altLang="en-US" dirty="0"/>
-              <a:t>수</a:t>
-            </a:r>
-            <a:r>
-              <a:rPr lang="en-US" altLang="ko-KR" dirty="0"/>
-              <a:t>)</a:t>
-            </a:r>
-            <a:r>
-              <a:rPr lang="ko-KR" altLang="en-US" dirty="0"/>
-              <a:t> 이후</a:t>
-            </a:r>
-            <a:r>
-              <a:rPr lang="en-US" altLang="ko-KR" dirty="0"/>
-              <a:t>: </a:t>
-            </a:r>
-            <a:r>
-              <a:rPr lang="ko-KR" altLang="en-US" dirty="0"/>
-              <a:t>전시회 준비</a:t>
-            </a:r>
-            <a:endParaRPr lang="en-US" altLang="ko-KR" dirty="0"/>
-          </a:p>
-          <a:p>
-            <a:endParaRPr lang="en-US" altLang="ko-KR" dirty="0"/>
-          </a:p>
-          <a:p>
-            <a:r>
-              <a:rPr lang="en-US" altLang="ko-KR" dirty="0"/>
-              <a:t>14</a:t>
-            </a:r>
-            <a:r>
-              <a:rPr lang="ko-KR" altLang="en-US" dirty="0"/>
-              <a:t>주차 </a:t>
-            </a:r>
-            <a:r>
-              <a:rPr lang="en-US" altLang="ko-KR" dirty="0"/>
-              <a:t>11/27 (</a:t>
-            </a:r>
-            <a:r>
-              <a:rPr lang="ko-KR" altLang="en-US" dirty="0"/>
-              <a:t>수</a:t>
-            </a:r>
-            <a:r>
-              <a:rPr lang="en-US" altLang="ko-KR" dirty="0"/>
-              <a:t>) : </a:t>
-            </a:r>
-            <a:r>
-              <a:rPr lang="ko-KR" altLang="en-US" dirty="0"/>
-              <a:t>최종 전시회</a:t>
-            </a:r>
-            <a:endParaRPr lang="en-US" altLang="ko-KR" dirty="0"/>
-          </a:p>
-          <a:p>
-            <a:r>
-              <a:rPr lang="ko-KR" altLang="en-US" dirty="0"/>
-              <a:t>이후 </a:t>
-            </a:r>
-            <a:r>
-              <a:rPr lang="en-US" altLang="ko-KR" dirty="0"/>
-              <a:t>: </a:t>
-            </a:r>
-            <a:r>
-              <a:rPr lang="ko-KR" altLang="en-US" dirty="0"/>
-              <a:t>꾸준한 웹사이트 관리</a:t>
-            </a:r>
-          </a:p>
-          <a:p>
-            <a:endParaRPr lang="ko-KR" altLang="en-US" dirty="0"/>
-          </a:p>
-        </p:txBody>
-      </p:sp>
+      </p:pic>
     </p:spTree>
     <p:extLst>
       <p:ext uri="{BB962C8B-B14F-4D97-AF65-F5344CB8AC3E}">
@@ -5800,7 +4888,12 @@
             <p:ph type="title"/>
           </p:nvPr>
         </p:nvSpPr>
-        <p:spPr/>
+        <p:spPr>
+          <a:xfrm>
+            <a:off x="838200" y="214902"/>
+            <a:ext cx="10515600" cy="945306"/>
+          </a:xfrm>
+        </p:spPr>
         <p:txBody>
           <a:bodyPr/>
           <a:lstStyle/>
@@ -5828,9 +4921,16 @@
             <p:ph idx="1"/>
           </p:nvPr>
         </p:nvSpPr>
-        <p:spPr/>
-        <p:txBody>
-          <a:bodyPr/>
+        <p:spPr>
+          <a:xfrm>
+            <a:off x="838200" y="1425678"/>
+            <a:ext cx="10515600" cy="4879105"/>
+          </a:xfrm>
+        </p:spPr>
+        <p:txBody>
+          <a:bodyPr>
+            <a:normAutofit/>
+          </a:bodyPr>
           <a:lstStyle/>
           <a:p>
             <a:r>
@@ -5958,6 +5058,7 @@
               <a:rPr lang="ko-KR" altLang="en-US" dirty="0"/>
               <a:t>정보 확인이 가능한 것을 보여주기</a:t>
             </a:r>
+            <a:endParaRPr lang="en-US" altLang="ko-KR" dirty="0"/>
           </a:p>
         </p:txBody>
       </p:sp>

--- a/업무분장 및 주차별 일정.pptx
+++ b/업무분장 및 주차별 일정.pptx
@@ -3634,18 +3634,6 @@
               <a:t>백엔드</a:t>
             </a:r>
             <a:r>
-              <a:rPr lang="en-US" altLang="ko-KR" b="1" dirty="0"/>
-              <a:t>(</a:t>
-            </a:r>
-            <a:r>
-              <a:rPr lang="ko-KR" altLang="en-US" b="1" dirty="0"/>
-              <a:t>데이터베이스</a:t>
-            </a:r>
-            <a:r>
-              <a:rPr lang="en-US" altLang="ko-KR" b="1" dirty="0"/>
-              <a:t>)</a:t>
-            </a:r>
-            <a:r>
               <a:rPr lang="ko-KR" altLang="en-US" b="1" dirty="0"/>
               <a:t> 개발</a:t>
             </a:r>
@@ -4316,18 +4304,6 @@
               <a:t>백엔드</a:t>
             </a:r>
             <a:r>
-              <a:rPr lang="en-US" altLang="ko-KR" b="1" dirty="0"/>
-              <a:t>(</a:t>
-            </a:r>
-            <a:r>
-              <a:rPr lang="en-US" altLang="ko-KR" b="1" dirty="0" err="1"/>
-              <a:t>api</a:t>
-            </a:r>
-            <a:r>
-              <a:rPr lang="en-US" altLang="ko-KR" b="1" dirty="0"/>
-              <a:t>)</a:t>
-            </a:r>
-            <a:r>
               <a:rPr lang="ko-KR" altLang="en-US" b="1" dirty="0"/>
               <a:t> 개발</a:t>
             </a:r>
@@ -4400,10 +4376,10 @@
       </p:sp>
       <p:pic>
         <p:nvPicPr>
-          <p:cNvPr id="12" name="내용 개체 틀 11">
-            <a:extLst>
-              <a:ext uri="{FF2B5EF4-FFF2-40B4-BE49-F238E27FC236}">
-                <a16:creationId xmlns:a16="http://schemas.microsoft.com/office/drawing/2014/main" id="{4F4E0381-23E2-03DA-61D2-DFD2FB3A8677}"/>
+          <p:cNvPr id="8" name="내용 개체 틀 7">
+            <a:extLst>
+              <a:ext uri="{FF2B5EF4-FFF2-40B4-BE49-F238E27FC236}">
+                <a16:creationId xmlns:a16="http://schemas.microsoft.com/office/drawing/2014/main" id="{54EB6519-28C8-5166-6BD5-A2219B8F8696}"/>
               </a:ext>
             </a:extLst>
           </p:cNvPr>
@@ -4422,8 +4398,8 @@
         </p:blipFill>
         <p:spPr>
           <a:xfrm>
-            <a:off x="1007179" y="1297858"/>
-            <a:ext cx="9735092" cy="5171768"/>
+            <a:off x="627751" y="1352260"/>
+            <a:ext cx="10305505" cy="5048540"/>
           </a:xfrm>
         </p:spPr>
       </p:pic>
@@ -4492,10 +4468,10 @@
       </p:sp>
       <p:pic>
         <p:nvPicPr>
-          <p:cNvPr id="12" name="내용 개체 틀 11">
-            <a:extLst>
-              <a:ext uri="{FF2B5EF4-FFF2-40B4-BE49-F238E27FC236}">
-                <a16:creationId xmlns:a16="http://schemas.microsoft.com/office/drawing/2014/main" id="{3C2A9416-EDA2-6B54-BFF0-8C2E4EA7E347}"/>
+          <p:cNvPr id="6" name="내용 개체 틀 5">
+            <a:extLst>
+              <a:ext uri="{FF2B5EF4-FFF2-40B4-BE49-F238E27FC236}">
+                <a16:creationId xmlns:a16="http://schemas.microsoft.com/office/drawing/2014/main" id="{E85564EA-C689-AA0D-0598-41A4D6828BF3}"/>
               </a:ext>
             </a:extLst>
           </p:cNvPr>
@@ -4514,8 +4490,8 @@
         </p:blipFill>
         <p:spPr>
           <a:xfrm>
-            <a:off x="1536763" y="1061884"/>
-            <a:ext cx="8089018" cy="5300318"/>
+            <a:off x="1264171" y="1061884"/>
+            <a:ext cx="8450100" cy="5525066"/>
           </a:xfrm>
         </p:spPr>
       </p:pic>
@@ -4584,35 +4560,6 @@
       </p:sp>
       <p:pic>
         <p:nvPicPr>
-          <p:cNvPr id="14" name="내용 개체 틀 13">
-            <a:extLst>
-              <a:ext uri="{FF2B5EF4-FFF2-40B4-BE49-F238E27FC236}">
-                <a16:creationId xmlns:a16="http://schemas.microsoft.com/office/drawing/2014/main" id="{FCE06816-E8C1-64D5-2948-CBE6078CEF27}"/>
-              </a:ext>
-            </a:extLst>
-          </p:cNvPr>
-          <p:cNvPicPr>
-            <a:picLocks noGrp="1" noChangeAspect="1"/>
-          </p:cNvPicPr>
-          <p:nvPr>
-            <p:ph idx="1"/>
-          </p:nvPr>
-        </p:nvPicPr>
-        <p:blipFill>
-          <a:blip r:embed="rId2"/>
-          <a:stretch>
-            <a:fillRect/>
-          </a:stretch>
-        </p:blipFill>
-        <p:spPr>
-          <a:xfrm>
-            <a:off x="124821" y="1348912"/>
-            <a:ext cx="6969806" cy="4599603"/>
-          </a:xfrm>
-        </p:spPr>
-      </p:pic>
-      <p:pic>
-        <p:nvPicPr>
           <p:cNvPr id="10" name="그림 9" descr="텍스트, 친필, 영수증이(가) 표시된 사진&#10;&#10;자동 생성된 설명">
             <a:extLst>
               <a:ext uri="{FF2B5EF4-FFF2-40B4-BE49-F238E27FC236}">
@@ -4626,7 +4573,7 @@
           <p:nvPr/>
         </p:nvPicPr>
         <p:blipFill>
-          <a:blip r:embed="rId3">
+          <a:blip r:embed="rId2">
             <a:extLst>
               <a:ext uri="{28A0092B-C50C-407E-A947-70E740481C1C}">
                 <a14:useLocalDpi xmlns:a14="http://schemas.microsoft.com/office/drawing/2010/main" val="0"/>
@@ -4750,6 +4697,35 @@
           </a:p>
         </p:txBody>
       </p:sp>
+      <p:pic>
+        <p:nvPicPr>
+          <p:cNvPr id="8" name="내용 개체 틀 7">
+            <a:extLst>
+              <a:ext uri="{FF2B5EF4-FFF2-40B4-BE49-F238E27FC236}">
+                <a16:creationId xmlns:a16="http://schemas.microsoft.com/office/drawing/2014/main" id="{4010DB39-66E0-CF39-5DCF-AA0840AD06A8}"/>
+              </a:ext>
+            </a:extLst>
+          </p:cNvPr>
+          <p:cNvPicPr>
+            <a:picLocks noGrp="1" noChangeAspect="1"/>
+          </p:cNvPicPr>
+          <p:nvPr>
+            <p:ph idx="1"/>
+          </p:nvPr>
+        </p:nvPicPr>
+        <p:blipFill>
+          <a:blip r:embed="rId3"/>
+          <a:stretch>
+            <a:fillRect/>
+          </a:stretch>
+        </p:blipFill>
+        <p:spPr>
+          <a:xfrm>
+            <a:off x="211246" y="1378409"/>
+            <a:ext cx="7013979" cy="4351338"/>
+          </a:xfrm>
+        </p:spPr>
+      </p:pic>
     </p:spTree>
     <p:extLst>
       <p:ext uri="{BB962C8B-B14F-4D97-AF65-F5344CB8AC3E}">
@@ -4815,10 +4791,10 @@
       </p:sp>
       <p:pic>
         <p:nvPicPr>
-          <p:cNvPr id="9" name="내용 개체 틀 8">
-            <a:extLst>
-              <a:ext uri="{FF2B5EF4-FFF2-40B4-BE49-F238E27FC236}">
-                <a16:creationId xmlns:a16="http://schemas.microsoft.com/office/drawing/2014/main" id="{1C6ACDB2-0A25-D678-9E1B-A8BCE99C11ED}"/>
+          <p:cNvPr id="6" name="내용 개체 틀 5">
+            <a:extLst>
+              <a:ext uri="{FF2B5EF4-FFF2-40B4-BE49-F238E27FC236}">
+                <a16:creationId xmlns:a16="http://schemas.microsoft.com/office/drawing/2014/main" id="{95B5464E-CD25-A497-218D-98560CF00A99}"/>
               </a:ext>
             </a:extLst>
           </p:cNvPr>
@@ -4837,8 +4813,8 @@
         </p:blipFill>
         <p:spPr>
           <a:xfrm>
-            <a:off x="1851934" y="1128140"/>
-            <a:ext cx="7773846" cy="5364734"/>
+            <a:off x="838200" y="1509500"/>
+            <a:ext cx="9394876" cy="4743816"/>
           </a:xfrm>
         </p:spPr>
       </p:pic>
